--- a/Ressources/Présentation Projet/Vélodyssée.pptx
+++ b/Ressources/Présentation Projet/Vélodyssée.pptx
@@ -6,17 +6,19 @@
   </p:sldMasterIdLst>
   <p:sldIdLst>
     <p:sldId id="256" r:id="rId2"/>
-    <p:sldId id="273" r:id="rId3"/>
-    <p:sldId id="274" r:id="rId4"/>
-    <p:sldId id="275" r:id="rId5"/>
-    <p:sldId id="276" r:id="rId6"/>
-    <p:sldId id="258" r:id="rId7"/>
-    <p:sldId id="277" r:id="rId8"/>
-    <p:sldId id="264" r:id="rId9"/>
-    <p:sldId id="269" r:id="rId10"/>
-    <p:sldId id="270" r:id="rId11"/>
-    <p:sldId id="271" r:id="rId12"/>
-    <p:sldId id="272" r:id="rId13"/>
+    <p:sldId id="278" r:id="rId3"/>
+    <p:sldId id="273" r:id="rId4"/>
+    <p:sldId id="274" r:id="rId5"/>
+    <p:sldId id="275" r:id="rId6"/>
+    <p:sldId id="276" r:id="rId7"/>
+    <p:sldId id="258" r:id="rId8"/>
+    <p:sldId id="277" r:id="rId9"/>
+    <p:sldId id="264" r:id="rId10"/>
+    <p:sldId id="269" r:id="rId11"/>
+    <p:sldId id="279" r:id="rId12"/>
+    <p:sldId id="271" r:id="rId13"/>
+    <p:sldId id="280" r:id="rId14"/>
+    <p:sldId id="281" r:id="rId15"/>
   </p:sldIdLst>
   <p:sldSz cx="12192000" cy="6858000"/>
   <p:notesSz cx="6858000" cy="9144000"/>
@@ -3501,73 +3503,53 @@
             <p:ph type="title"/>
           </p:nvPr>
         </p:nvSpPr>
+        <p:spPr/>
+        <p:txBody>
+          <a:bodyPr/>
+          <a:lstStyle/>
+          <a:p>
+            <a:r>
+              <a:rPr lang="fr-FR" dirty="0" smtClean="0"/>
+              <a:t>LES Difficultés</a:t>
+            </a:r>
+            <a:endParaRPr lang="fr-FR" dirty="0"/>
+          </a:p>
+        </p:txBody>
+      </p:sp>
+      <p:pic>
+        <p:nvPicPr>
+          <p:cNvPr id="4" name="Image 3"/>
+          <p:cNvPicPr>
+            <a:picLocks noChangeAspect="1"/>
+          </p:cNvPicPr>
+          <p:nvPr/>
+        </p:nvPicPr>
+        <p:blipFill>
+          <a:blip r:embed="rId2">
+            <a:extLst>
+              <a:ext uri="{28A0092B-C50C-407E-A947-70E740481C1C}">
+                <a14:useLocalDpi xmlns:a14="http://schemas.microsoft.com/office/drawing/2010/main" val="0"/>
+              </a:ext>
+            </a:extLst>
+          </a:blip>
+          <a:stretch>
+            <a:fillRect/>
+          </a:stretch>
+        </p:blipFill>
         <p:spPr>
           <a:xfrm>
-            <a:off x="1057564" y="642593"/>
-            <a:ext cx="10058400" cy="5795151"/>
+            <a:off x="3664136" y="2540000"/>
+            <a:ext cx="4853709" cy="4853709"/>
           </a:xfrm>
+          <a:prstGeom prst="rect">
+            <a:avLst/>
+          </a:prstGeom>
         </p:spPr>
-        <p:txBody>
-          <a:bodyPr>
-            <a:normAutofit/>
-          </a:bodyPr>
-          <a:lstStyle/>
-          <a:p>
-            <a:r>
-              <a:rPr lang="fr-FR" dirty="0" smtClean="0"/>
-              <a:t>-Groupe incomplet</a:t>
-            </a:r>
-            <a:br>
-              <a:rPr lang="fr-FR" dirty="0" smtClean="0"/>
-            </a:br>
-            <a:r>
-              <a:rPr lang="fr-FR" dirty="0" smtClean="0"/>
-              <a:t/>
-            </a:r>
-            <a:br>
-              <a:rPr lang="fr-FR" dirty="0" smtClean="0"/>
-            </a:br>
-            <a:r>
-              <a:rPr lang="fr-FR" dirty="0"/>
-              <a:t>-</a:t>
-            </a:r>
-            <a:r>
-              <a:rPr lang="fr-FR" dirty="0" smtClean="0"/>
-              <a:t>Problème de la taille du HTML</a:t>
-            </a:r>
-            <a:br>
-              <a:rPr lang="fr-FR" dirty="0" smtClean="0"/>
-            </a:br>
-            <a:r>
-              <a:rPr lang="fr-FR" dirty="0" smtClean="0"/>
-              <a:t/>
-            </a:r>
-            <a:br>
-              <a:rPr lang="fr-FR" dirty="0" smtClean="0"/>
-            </a:br>
-            <a:r>
-              <a:rPr lang="fr-FR" dirty="0" smtClean="0"/>
-              <a:t>-Difficultés sur le responsive </a:t>
-            </a:r>
-            <a:r>
-              <a:rPr lang="fr-FR" dirty="0" err="1" smtClean="0"/>
-              <a:t>dûes</a:t>
-            </a:r>
-            <a:r>
-              <a:rPr lang="fr-FR" dirty="0" smtClean="0"/>
-              <a:t> à une mauvaise méthodologie (sous-estimation du temps à y accorder)</a:t>
-            </a:r>
-            <a:br>
-              <a:rPr lang="fr-FR" dirty="0" smtClean="0"/>
-            </a:br>
-            <a:endParaRPr lang="fr-FR" dirty="0"/>
-          </a:p>
-        </p:txBody>
-      </p:sp>
+      </p:pic>
     </p:spTree>
     <p:extLst>
       <p:ext uri="{BB962C8B-B14F-4D97-AF65-F5344CB8AC3E}">
-        <p14:creationId xmlns:p14="http://schemas.microsoft.com/office/powerpoint/2010/main" val="1137125954"/>
+        <p14:creationId xmlns:p14="http://schemas.microsoft.com/office/powerpoint/2010/main" val="1433927194"/>
       </p:ext>
     </p:extLst>
   </p:cSld>
@@ -3577,7 +3559,132 @@
   <p:timing>
     <p:tnLst>
       <p:par>
-        <p:cTn id="1" dur="indefinite" restart="never" nodeType="tmRoot"/>
+        <p:cTn id="1" dur="indefinite" restart="never" nodeType="tmRoot">
+          <p:childTnLst>
+            <p:seq concurrent="1" nextAc="seek">
+              <p:cTn id="2" dur="indefinite" nodeType="mainSeq">
+                <p:childTnLst>
+                  <p:par>
+                    <p:cTn id="3" fill="hold">
+                      <p:stCondLst>
+                        <p:cond delay="indefinite"/>
+                        <p:cond evt="onBegin" delay="0">
+                          <p:tn val="2"/>
+                        </p:cond>
+                      </p:stCondLst>
+                      <p:childTnLst>
+                        <p:par>
+                          <p:cTn id="4" fill="hold">
+                            <p:stCondLst>
+                              <p:cond delay="0"/>
+                            </p:stCondLst>
+                            <p:childTnLst>
+                              <p:par>
+                                <p:cTn id="5" presetID="53" presetClass="entr" presetSubtype="16" fill="hold" nodeType="withEffect">
+                                  <p:stCondLst>
+                                    <p:cond delay="0"/>
+                                  </p:stCondLst>
+                                  <p:childTnLst>
+                                    <p:set>
+                                      <p:cBhvr>
+                                        <p:cTn id="6" dur="1" fill="hold">
+                                          <p:stCondLst>
+                                            <p:cond delay="0"/>
+                                          </p:stCondLst>
+                                        </p:cTn>
+                                        <p:tgtEl>
+                                          <p:spTgt spid="4"/>
+                                        </p:tgtEl>
+                                        <p:attrNameLst>
+                                          <p:attrName>style.visibility</p:attrName>
+                                        </p:attrNameLst>
+                                      </p:cBhvr>
+                                      <p:to>
+                                        <p:strVal val="visible"/>
+                                      </p:to>
+                                    </p:set>
+                                    <p:anim calcmode="lin" valueType="num">
+                                      <p:cBhvr>
+                                        <p:cTn id="7" dur="500" fill="hold"/>
+                                        <p:tgtEl>
+                                          <p:spTgt spid="4"/>
+                                        </p:tgtEl>
+                                        <p:attrNameLst>
+                                          <p:attrName>ppt_w</p:attrName>
+                                        </p:attrNameLst>
+                                      </p:cBhvr>
+                                      <p:tavLst>
+                                        <p:tav tm="0">
+                                          <p:val>
+                                            <p:fltVal val="0"/>
+                                          </p:val>
+                                        </p:tav>
+                                        <p:tav tm="100000">
+                                          <p:val>
+                                            <p:strVal val="#ppt_w"/>
+                                          </p:val>
+                                        </p:tav>
+                                      </p:tavLst>
+                                    </p:anim>
+                                    <p:anim calcmode="lin" valueType="num">
+                                      <p:cBhvr>
+                                        <p:cTn id="8" dur="500" fill="hold"/>
+                                        <p:tgtEl>
+                                          <p:spTgt spid="4"/>
+                                        </p:tgtEl>
+                                        <p:attrNameLst>
+                                          <p:attrName>ppt_h</p:attrName>
+                                        </p:attrNameLst>
+                                      </p:cBhvr>
+                                      <p:tavLst>
+                                        <p:tav tm="0">
+                                          <p:val>
+                                            <p:fltVal val="0"/>
+                                          </p:val>
+                                        </p:tav>
+                                        <p:tav tm="100000">
+                                          <p:val>
+                                            <p:strVal val="#ppt_h"/>
+                                          </p:val>
+                                        </p:tav>
+                                      </p:tavLst>
+                                    </p:anim>
+                                    <p:animEffect transition="in" filter="fade">
+                                      <p:cBhvr>
+                                        <p:cTn id="9" dur="500"/>
+                                        <p:tgtEl>
+                                          <p:spTgt spid="4"/>
+                                        </p:tgtEl>
+                                      </p:cBhvr>
+                                    </p:animEffect>
+                                  </p:childTnLst>
+                                </p:cTn>
+                              </p:par>
+                            </p:childTnLst>
+                          </p:cTn>
+                        </p:par>
+                      </p:childTnLst>
+                    </p:cTn>
+                  </p:par>
+                </p:childTnLst>
+              </p:cTn>
+              <p:prevCondLst>
+                <p:cond evt="onPrev" delay="0">
+                  <p:tgtEl>
+                    <p:sldTgt/>
+                  </p:tgtEl>
+                </p:cond>
+              </p:prevCondLst>
+              <p:nextCondLst>
+                <p:cond evt="onNext" delay="0">
+                  <p:tgtEl>
+                    <p:sldTgt/>
+                  </p:tgtEl>
+                </p:cond>
+              </p:nextCondLst>
+            </p:seq>
+          </p:childTnLst>
+        </p:cTn>
       </p:par>
     </p:tnLst>
   </p:timing>
@@ -3608,19 +3715,25 @@
             <a:spLocks noGrp="1"/>
           </p:cNvSpPr>
           <p:nvPr>
-            <p:ph type="ctrTitle"/>
-          </p:nvPr>
-        </p:nvSpPr>
-        <p:spPr/>
-        <p:txBody>
-          <a:bodyPr/>
+            <p:ph type="title"/>
+          </p:nvPr>
+        </p:nvSpPr>
+        <p:spPr>
+          <a:xfrm>
+            <a:off x="1066800" y="308485"/>
+            <a:ext cx="10058400" cy="1449975"/>
+          </a:xfrm>
+        </p:spPr>
+        <p:txBody>
+          <a:bodyPr>
+            <a:normAutofit/>
+          </a:bodyPr>
           <a:lstStyle/>
           <a:p>
-            <a:r>
-              <a:rPr lang="fr-FR" dirty="0" smtClean="0">
-                <a:latin typeface="Algerian" panose="04020705040A02060702" pitchFamily="82" charset="0"/>
-              </a:rPr>
-              <a:t>LES choses apprises</a:t>
+            <a:pPr algn="ctr"/>
+            <a:r>
+              <a:rPr lang="fr-FR" b="1" dirty="0" smtClean="0"/>
+              <a:t>Principales difficultés rencontrées</a:t>
             </a:r>
             <a:endParaRPr lang="fr-FR" dirty="0">
               <a:latin typeface="Algerian" panose="04020705040A02060702" pitchFamily="82" charset="0"/>
@@ -3628,10 +3741,196 @@
           </a:p>
         </p:txBody>
       </p:sp>
+      <p:sp>
+        <p:nvSpPr>
+          <p:cNvPr id="3" name="ZoneTexte 2"/>
+          <p:cNvSpPr txBox="1"/>
+          <p:nvPr/>
+        </p:nvSpPr>
+        <p:spPr>
+          <a:xfrm>
+            <a:off x="1406769" y="1991124"/>
+            <a:ext cx="9378462" cy="5355312"/>
+          </a:xfrm>
+          <a:prstGeom prst="rect">
+            <a:avLst/>
+          </a:prstGeom>
+          <a:noFill/>
+        </p:spPr>
+        <p:txBody>
+          <a:bodyPr wrap="square" rtlCol="0">
+            <a:spAutoFit/>
+          </a:bodyPr>
+          <a:lstStyle/>
+          <a:p>
+            <a:pPr marL="342900" indent="-342900">
+              <a:buFont typeface="Arial" panose="020B0604020202020204" pitchFamily="34" charset="0"/>
+              <a:buChar char="•"/>
+            </a:pPr>
+            <a:r>
+              <a:rPr lang="fr-FR" sz="2400" dirty="0" smtClean="0"/>
+              <a:t>JORDAN Barre de navigation :</a:t>
+            </a:r>
+          </a:p>
+          <a:p>
+            <a:pPr marL="800100" lvl="1" indent="-342900">
+              <a:buFont typeface="Wingdings" panose="05000000000000000000" pitchFamily="2" charset="2"/>
+              <a:buChar char="ü"/>
+            </a:pPr>
+            <a:r>
+              <a:rPr lang="fr-FR" sz="2400" dirty="0" smtClean="0"/>
+              <a:t>Disposition des slides</a:t>
+            </a:r>
+          </a:p>
+          <a:p>
+            <a:pPr marL="800100" lvl="1" indent="-342900">
+              <a:buFont typeface="Wingdings" panose="05000000000000000000" pitchFamily="2" charset="2"/>
+              <a:buChar char="ü"/>
+            </a:pPr>
+            <a:r>
+              <a:rPr lang="fr-FR" sz="2400" dirty="0" smtClean="0"/>
+              <a:t>Taille d’images du carrousel</a:t>
+            </a:r>
+          </a:p>
+          <a:p>
+            <a:pPr algn="ctr"/>
+            <a:endParaRPr lang="fr-FR" sz="2400" dirty="0" smtClean="0"/>
+          </a:p>
+          <a:p>
+            <a:pPr marL="285750" indent="-285750">
+              <a:buFont typeface="Arial" panose="020B0604020202020204" pitchFamily="34" charset="0"/>
+              <a:buChar char="•"/>
+            </a:pPr>
+            <a:r>
+              <a:rPr lang="fr-FR" sz="2400" dirty="0" smtClean="0"/>
+              <a:t>JOSUÉ</a:t>
+            </a:r>
+            <a:r>
+              <a:rPr lang="fr-FR" sz="2400" b="1" dirty="0" smtClean="0"/>
+              <a:t> </a:t>
+            </a:r>
+            <a:r>
+              <a:rPr lang="fr-FR" sz="2400" dirty="0" smtClean="0"/>
+              <a:t>Intégration de JavaScript</a:t>
+            </a:r>
+          </a:p>
+          <a:p>
+            <a:pPr marL="285750" indent="-285750" algn="ctr">
+              <a:buFont typeface="Arial" panose="020B0604020202020204" pitchFamily="34" charset="0"/>
+              <a:buChar char="•"/>
+            </a:pPr>
+            <a:endParaRPr lang="fr-FR" sz="2400" dirty="0" smtClean="0"/>
+          </a:p>
+          <a:p>
+            <a:pPr marL="285750" indent="-285750">
+              <a:buFont typeface="Arial" panose="020B0604020202020204" pitchFamily="34" charset="0"/>
+              <a:buChar char="•"/>
+            </a:pPr>
+            <a:r>
+              <a:rPr lang="fr-FR" sz="2400" dirty="0" smtClean="0"/>
+              <a:t>GRISCHKA :</a:t>
+            </a:r>
+          </a:p>
+          <a:p>
+            <a:pPr marL="800100" lvl="1" indent="-342900">
+              <a:buFont typeface="Wingdings" panose="05000000000000000000" pitchFamily="2" charset="2"/>
+              <a:buChar char="ü"/>
+            </a:pPr>
+            <a:r>
+              <a:rPr lang="fr-FR" sz="2400" dirty="0" smtClean="0"/>
+              <a:t>Intégration des données de l’API</a:t>
+            </a:r>
+          </a:p>
+          <a:p>
+            <a:pPr marL="800100" lvl="1" indent="-342900">
+              <a:buFont typeface="Wingdings" panose="05000000000000000000" pitchFamily="2" charset="2"/>
+              <a:buChar char="ü"/>
+            </a:pPr>
+            <a:r>
+              <a:rPr lang="fr-FR" sz="2400" dirty="0"/>
+              <a:t>Intégration </a:t>
+            </a:r>
+            <a:r>
+              <a:rPr lang="fr-FR" sz="2400" dirty="0" smtClean="0"/>
+              <a:t>de la carte personnalisée via </a:t>
+            </a:r>
+            <a:r>
+              <a:rPr lang="fr-FR" sz="2400" dirty="0" err="1" smtClean="0"/>
+              <a:t>MapBox</a:t>
+            </a:r>
+            <a:endParaRPr lang="fr-FR" sz="2400" dirty="0" smtClean="0"/>
+          </a:p>
+          <a:p>
+            <a:pPr marL="800100" lvl="1" indent="-342900">
+              <a:buFont typeface="Wingdings" panose="05000000000000000000" pitchFamily="2" charset="2"/>
+              <a:buChar char="ü"/>
+            </a:pPr>
+            <a:endParaRPr lang="fr-FR" sz="2400" dirty="0"/>
+          </a:p>
+          <a:p>
+            <a:pPr marL="342900" indent="-342900">
+              <a:buFont typeface="Arial" panose="020B0604020202020204" pitchFamily="34" charset="0"/>
+              <a:buChar char="•"/>
+            </a:pPr>
+            <a:r>
+              <a:rPr lang="fr-FR" sz="2400" dirty="0"/>
+              <a:t>BASTIEN : Aucune difficulté majeure</a:t>
+            </a:r>
+          </a:p>
+          <a:p>
+            <a:pPr marL="285750" indent="-285750">
+              <a:buFont typeface="Arial" panose="020B0604020202020204" pitchFamily="34" charset="0"/>
+              <a:buChar char="•"/>
+            </a:pPr>
+            <a:endParaRPr lang="fr-FR" sz="2400" dirty="0"/>
+          </a:p>
+          <a:p>
+            <a:endParaRPr lang="fr-FR" dirty="0"/>
+          </a:p>
+          <a:p>
+            <a:pPr algn="ctr"/>
+            <a:endParaRPr lang="fr-FR" dirty="0" smtClean="0"/>
+          </a:p>
+          <a:p>
+            <a:pPr algn="ctr"/>
+            <a:endParaRPr lang="fr-FR" dirty="0"/>
+          </a:p>
+        </p:txBody>
+      </p:sp>
+      <p:pic>
+        <p:nvPicPr>
+          <p:cNvPr id="5" name="Image 4"/>
+          <p:cNvPicPr>
+            <a:picLocks noChangeAspect="1"/>
+          </p:cNvPicPr>
+          <p:nvPr/>
+        </p:nvPicPr>
+        <p:blipFill>
+          <a:blip r:embed="rId2">
+            <a:extLst>
+              <a:ext uri="{28A0092B-C50C-407E-A947-70E740481C1C}">
+                <a14:useLocalDpi xmlns:a14="http://schemas.microsoft.com/office/drawing/2010/main" val="0"/>
+              </a:ext>
+            </a:extLst>
+          </a:blip>
+          <a:stretch>
+            <a:fillRect/>
+          </a:stretch>
+        </p:blipFill>
+        <p:spPr>
+          <a:xfrm>
+            <a:off x="7691582" y="1214914"/>
+            <a:ext cx="4395442" cy="4395442"/>
+          </a:xfrm>
+          <a:prstGeom prst="rect">
+            <a:avLst/>
+          </a:prstGeom>
+        </p:spPr>
+      </p:pic>
     </p:spTree>
     <p:extLst>
       <p:ext uri="{BB962C8B-B14F-4D97-AF65-F5344CB8AC3E}">
-        <p14:creationId xmlns:p14="http://schemas.microsoft.com/office/powerpoint/2010/main" val="3257394175"/>
+        <p14:creationId xmlns:p14="http://schemas.microsoft.com/office/powerpoint/2010/main" val="3558858944"/>
       </p:ext>
     </p:extLst>
   </p:cSld>
@@ -3641,7 +3940,158 @@
   <p:timing>
     <p:tnLst>
       <p:par>
-        <p:cTn id="1" dur="indefinite" restart="never" nodeType="tmRoot"/>
+        <p:cTn id="1" dur="indefinite" restart="never" nodeType="tmRoot">
+          <p:childTnLst>
+            <p:seq concurrent="1" nextAc="seek">
+              <p:cTn id="2" dur="indefinite" nodeType="mainSeq">
+                <p:childTnLst>
+                  <p:par>
+                    <p:cTn id="3" fill="hold">
+                      <p:stCondLst>
+                        <p:cond delay="indefinite"/>
+                        <p:cond evt="onBegin" delay="0">
+                          <p:tn val="2"/>
+                        </p:cond>
+                      </p:stCondLst>
+                      <p:childTnLst>
+                        <p:par>
+                          <p:cTn id="4" fill="hold">
+                            <p:stCondLst>
+                              <p:cond delay="0"/>
+                            </p:stCondLst>
+                            <p:childTnLst>
+                              <p:par>
+                                <p:cTn id="5" presetID="53" presetClass="entr" presetSubtype="16" fill="hold" nodeType="withEffect">
+                                  <p:stCondLst>
+                                    <p:cond delay="0"/>
+                                  </p:stCondLst>
+                                  <p:childTnLst>
+                                    <p:set>
+                                      <p:cBhvr>
+                                        <p:cTn id="6" dur="1" fill="hold">
+                                          <p:stCondLst>
+                                            <p:cond delay="0"/>
+                                          </p:stCondLst>
+                                        </p:cTn>
+                                        <p:tgtEl>
+                                          <p:spTgt spid="5"/>
+                                        </p:tgtEl>
+                                        <p:attrNameLst>
+                                          <p:attrName>style.visibility</p:attrName>
+                                        </p:attrNameLst>
+                                      </p:cBhvr>
+                                      <p:to>
+                                        <p:strVal val="visible"/>
+                                      </p:to>
+                                    </p:set>
+                                    <p:anim calcmode="lin" valueType="num">
+                                      <p:cBhvr>
+                                        <p:cTn id="7" dur="3000" fill="hold"/>
+                                        <p:tgtEl>
+                                          <p:spTgt spid="5"/>
+                                        </p:tgtEl>
+                                        <p:attrNameLst>
+                                          <p:attrName>ppt_w</p:attrName>
+                                        </p:attrNameLst>
+                                      </p:cBhvr>
+                                      <p:tavLst>
+                                        <p:tav tm="0">
+                                          <p:val>
+                                            <p:fltVal val="0"/>
+                                          </p:val>
+                                        </p:tav>
+                                        <p:tav tm="100000">
+                                          <p:val>
+                                            <p:strVal val="#ppt_w"/>
+                                          </p:val>
+                                        </p:tav>
+                                      </p:tavLst>
+                                    </p:anim>
+                                    <p:anim calcmode="lin" valueType="num">
+                                      <p:cBhvr>
+                                        <p:cTn id="8" dur="3000" fill="hold"/>
+                                        <p:tgtEl>
+                                          <p:spTgt spid="5"/>
+                                        </p:tgtEl>
+                                        <p:attrNameLst>
+                                          <p:attrName>ppt_h</p:attrName>
+                                        </p:attrNameLst>
+                                      </p:cBhvr>
+                                      <p:tavLst>
+                                        <p:tav tm="0">
+                                          <p:val>
+                                            <p:fltVal val="0"/>
+                                          </p:val>
+                                        </p:tav>
+                                        <p:tav tm="100000">
+                                          <p:val>
+                                            <p:strVal val="#ppt_h"/>
+                                          </p:val>
+                                        </p:tav>
+                                      </p:tavLst>
+                                    </p:anim>
+                                    <p:animEffect transition="in" filter="fade">
+                                      <p:cBhvr>
+                                        <p:cTn id="9" dur="3000"/>
+                                        <p:tgtEl>
+                                          <p:spTgt spid="5"/>
+                                        </p:tgtEl>
+                                      </p:cBhvr>
+                                    </p:animEffect>
+                                  </p:childTnLst>
+                                </p:cTn>
+                              </p:par>
+                              <p:par>
+                                <p:cTn id="10" presetID="26" presetClass="emph" presetSubtype="0" fill="hold" nodeType="withEffect">
+                                  <p:stCondLst>
+                                    <p:cond delay="5000"/>
+                                  </p:stCondLst>
+                                  <p:childTnLst>
+                                    <p:animEffect transition="out" filter="fade">
+                                      <p:cBhvr>
+                                        <p:cTn id="11" dur="4000" tmFilter="0, 0; .2, .5; .8, .5; 1, 0"/>
+                                        <p:tgtEl>
+                                          <p:spTgt spid="5"/>
+                                        </p:tgtEl>
+                                      </p:cBhvr>
+                                    </p:animEffect>
+                                    <p:animScale>
+                                      <p:cBhvr>
+                                        <p:cTn id="12" dur="2000" autoRev="1" fill="hold"/>
+                                        <p:tgtEl>
+                                          <p:spTgt spid="5"/>
+                                        </p:tgtEl>
+                                      </p:cBhvr>
+                                      <p:by x="105000" y="105000"/>
+                                    </p:animScale>
+                                  </p:childTnLst>
+                                </p:cTn>
+                              </p:par>
+                            </p:childTnLst>
+                          </p:cTn>
+                        </p:par>
+                      </p:childTnLst>
+                    </p:cTn>
+                  </p:par>
+                </p:childTnLst>
+              </p:cTn>
+              <p:prevCondLst>
+                <p:cond evt="onPrev" delay="0">
+                  <p:tgtEl>
+                    <p:sldTgt/>
+                  </p:tgtEl>
+                </p:cond>
+              </p:prevCondLst>
+              <p:nextCondLst>
+                <p:cond evt="onNext" delay="0">
+                  <p:tgtEl>
+                    <p:sldTgt/>
+                  </p:tgtEl>
+                </p:cond>
+              </p:nextCondLst>
+            </p:seq>
+          </p:childTnLst>
+        </p:cTn>
       </p:par>
     </p:tnLst>
   </p:timing>
@@ -3675,61 +4125,57 @@
             <p:ph type="title"/>
           </p:nvPr>
         </p:nvSpPr>
+        <p:spPr/>
+        <p:txBody>
+          <a:bodyPr/>
+          <a:lstStyle/>
+          <a:p>
+            <a:r>
+              <a:rPr lang="fr-FR" dirty="0" smtClean="0">
+                <a:latin typeface="+mn-lt"/>
+              </a:rPr>
+              <a:t>LES choses apprises</a:t>
+            </a:r>
+            <a:endParaRPr lang="fr-FR" dirty="0">
+              <a:latin typeface="+mn-lt"/>
+            </a:endParaRPr>
+          </a:p>
+        </p:txBody>
+      </p:sp>
+      <p:pic>
+        <p:nvPicPr>
+          <p:cNvPr id="4" name="Image 3"/>
+          <p:cNvPicPr>
+            <a:picLocks noChangeAspect="1"/>
+          </p:cNvPicPr>
+          <p:nvPr/>
+        </p:nvPicPr>
+        <p:blipFill>
+          <a:blip r:embed="rId2">
+            <a:extLst>
+              <a:ext uri="{28A0092B-C50C-407E-A947-70E740481C1C}">
+                <a14:useLocalDpi xmlns:a14="http://schemas.microsoft.com/office/drawing/2010/main" val="0"/>
+              </a:ext>
+            </a:extLst>
+          </a:blip>
+          <a:stretch>
+            <a:fillRect/>
+          </a:stretch>
+        </p:blipFill>
         <p:spPr>
           <a:xfrm>
-            <a:off x="1057564" y="642593"/>
-            <a:ext cx="10058400" cy="5795151"/>
+            <a:off x="3766430" y="2846188"/>
+            <a:ext cx="4649121" cy="4649121"/>
           </a:xfrm>
+          <a:prstGeom prst="rect">
+            <a:avLst/>
+          </a:prstGeom>
         </p:spPr>
-        <p:txBody>
-          <a:bodyPr>
-            <a:normAutofit/>
-          </a:bodyPr>
-          <a:lstStyle/>
-          <a:p>
-            <a:r>
-              <a:rPr lang="fr-FR" dirty="0" smtClean="0"/>
-              <a:t>-Animation CSS</a:t>
-            </a:r>
-            <a:br>
-              <a:rPr lang="fr-FR" dirty="0" smtClean="0"/>
-            </a:br>
-            <a:r>
-              <a:rPr lang="fr-FR" dirty="0" smtClean="0"/>
-              <a:t/>
-            </a:r>
-            <a:br>
-              <a:rPr lang="fr-FR" dirty="0" smtClean="0"/>
-            </a:br>
-            <a:r>
-              <a:rPr lang="fr-FR" dirty="0" smtClean="0"/>
-              <a:t>-Responsive </a:t>
-            </a:r>
-            <a:br>
-              <a:rPr lang="fr-FR" dirty="0" smtClean="0"/>
-            </a:br>
-            <a:r>
-              <a:rPr lang="fr-FR" dirty="0" smtClean="0"/>
-              <a:t/>
-            </a:r>
-            <a:br>
-              <a:rPr lang="fr-FR" dirty="0" smtClean="0"/>
-            </a:br>
-            <a:r>
-              <a:rPr lang="fr-FR" dirty="0" smtClean="0"/>
-              <a:t>-Méthodologie de construction HTML plus précise</a:t>
-            </a:r>
-            <a:br>
-              <a:rPr lang="fr-FR" dirty="0" smtClean="0"/>
-            </a:br>
-            <a:endParaRPr lang="fr-FR" dirty="0"/>
-          </a:p>
-        </p:txBody>
-      </p:sp>
+      </p:pic>
     </p:spTree>
     <p:extLst>
       <p:ext uri="{BB962C8B-B14F-4D97-AF65-F5344CB8AC3E}">
-        <p14:creationId xmlns:p14="http://schemas.microsoft.com/office/powerpoint/2010/main" val="132970096"/>
+        <p14:creationId xmlns:p14="http://schemas.microsoft.com/office/powerpoint/2010/main" val="3257394175"/>
       </p:ext>
     </p:extLst>
   </p:cSld>
@@ -3739,7 +4185,734 @@
   <p:timing>
     <p:tnLst>
       <p:par>
-        <p:cTn id="1" dur="indefinite" restart="never" nodeType="tmRoot"/>
+        <p:cTn id="1" dur="indefinite" restart="never" nodeType="tmRoot">
+          <p:childTnLst>
+            <p:seq concurrent="1" nextAc="seek">
+              <p:cTn id="2" dur="indefinite" nodeType="mainSeq">
+                <p:childTnLst>
+                  <p:par>
+                    <p:cTn id="3" fill="hold">
+                      <p:stCondLst>
+                        <p:cond delay="indefinite"/>
+                        <p:cond evt="onBegin" delay="0">
+                          <p:tn val="2"/>
+                        </p:cond>
+                      </p:stCondLst>
+                      <p:childTnLst>
+                        <p:par>
+                          <p:cTn id="4" fill="hold">
+                            <p:stCondLst>
+                              <p:cond delay="0"/>
+                            </p:stCondLst>
+                            <p:childTnLst>
+                              <p:par>
+                                <p:cTn id="5" presetID="6" presetClass="entr" presetSubtype="16" fill="hold" nodeType="withEffect">
+                                  <p:stCondLst>
+                                    <p:cond delay="0"/>
+                                  </p:stCondLst>
+                                  <p:childTnLst>
+                                    <p:set>
+                                      <p:cBhvr>
+                                        <p:cTn id="6" dur="1" fill="hold">
+                                          <p:stCondLst>
+                                            <p:cond delay="0"/>
+                                          </p:stCondLst>
+                                        </p:cTn>
+                                        <p:tgtEl>
+                                          <p:spTgt spid="4"/>
+                                        </p:tgtEl>
+                                        <p:attrNameLst>
+                                          <p:attrName>style.visibility</p:attrName>
+                                        </p:attrNameLst>
+                                      </p:cBhvr>
+                                      <p:to>
+                                        <p:strVal val="visible"/>
+                                      </p:to>
+                                    </p:set>
+                                    <p:animEffect transition="in" filter="circle(in)">
+                                      <p:cBhvr>
+                                        <p:cTn id="7" dur="2000"/>
+                                        <p:tgtEl>
+                                          <p:spTgt spid="4"/>
+                                        </p:tgtEl>
+                                      </p:cBhvr>
+                                    </p:animEffect>
+                                  </p:childTnLst>
+                                </p:cTn>
+                              </p:par>
+                            </p:childTnLst>
+                          </p:cTn>
+                        </p:par>
+                      </p:childTnLst>
+                    </p:cTn>
+                  </p:par>
+                </p:childTnLst>
+              </p:cTn>
+              <p:prevCondLst>
+                <p:cond evt="onPrev" delay="0">
+                  <p:tgtEl>
+                    <p:sldTgt/>
+                  </p:tgtEl>
+                </p:cond>
+              </p:prevCondLst>
+              <p:nextCondLst>
+                <p:cond evt="onNext" delay="0">
+                  <p:tgtEl>
+                    <p:sldTgt/>
+                  </p:tgtEl>
+                </p:cond>
+              </p:nextCondLst>
+            </p:seq>
+          </p:childTnLst>
+        </p:cTn>
+      </p:par>
+    </p:tnLst>
+  </p:timing>
+</p:sld>
+</file>
+
+<file path=ppt/slides/slide13.xml><?xml version="1.0" encoding="utf-8"?>
+<p:sld xmlns:a="http://schemas.openxmlformats.org/drawingml/2006/main" xmlns:r="http://schemas.openxmlformats.org/officeDocument/2006/relationships" xmlns:p="http://schemas.openxmlformats.org/presentationml/2006/main">
+  <p:cSld>
+    <p:spTree>
+      <p:nvGrpSpPr>
+        <p:cNvPr id="1" name=""/>
+        <p:cNvGrpSpPr/>
+        <p:nvPr/>
+      </p:nvGrpSpPr>
+      <p:grpSpPr>
+        <a:xfrm>
+          <a:off x="0" y="0"/>
+          <a:ext cx="0" cy="0"/>
+          <a:chOff x="0" y="0"/>
+          <a:chExt cx="0" cy="0"/>
+        </a:xfrm>
+      </p:grpSpPr>
+      <p:sp>
+        <p:nvSpPr>
+          <p:cNvPr id="2" name="Titre 1"/>
+          <p:cNvSpPr>
+            <a:spLocks noGrp="1"/>
+          </p:cNvSpPr>
+          <p:nvPr>
+            <p:ph type="title"/>
+          </p:nvPr>
+        </p:nvSpPr>
+        <p:spPr>
+          <a:xfrm>
+            <a:off x="1066800" y="308485"/>
+            <a:ext cx="10058400" cy="1449975"/>
+          </a:xfrm>
+        </p:spPr>
+        <p:txBody>
+          <a:bodyPr>
+            <a:normAutofit/>
+          </a:bodyPr>
+          <a:lstStyle/>
+          <a:p>
+            <a:pPr algn="ctr"/>
+            <a:r>
+              <a:rPr lang="fr-FR" b="1" dirty="0" smtClean="0"/>
+              <a:t>Principaux éléments de fierté</a:t>
+            </a:r>
+            <a:endParaRPr lang="fr-FR" dirty="0">
+              <a:latin typeface="Algerian" panose="04020705040A02060702" pitchFamily="82" charset="0"/>
+            </a:endParaRPr>
+          </a:p>
+        </p:txBody>
+      </p:sp>
+      <p:sp>
+        <p:nvSpPr>
+          <p:cNvPr id="3" name="ZoneTexte 2"/>
+          <p:cNvSpPr txBox="1"/>
+          <p:nvPr/>
+        </p:nvSpPr>
+        <p:spPr>
+          <a:xfrm>
+            <a:off x="1406769" y="1880288"/>
+            <a:ext cx="9378462" cy="4893647"/>
+          </a:xfrm>
+          <a:prstGeom prst="rect">
+            <a:avLst/>
+          </a:prstGeom>
+          <a:noFill/>
+        </p:spPr>
+        <p:txBody>
+          <a:bodyPr wrap="square" rtlCol="0">
+            <a:spAutoFit/>
+          </a:bodyPr>
+          <a:lstStyle/>
+          <a:p>
+            <a:pPr marL="342900" indent="-342900">
+              <a:buFont typeface="Arial" panose="020B0604020202020204" pitchFamily="34" charset="0"/>
+              <a:buChar char="•"/>
+            </a:pPr>
+            <a:r>
+              <a:rPr lang="fr-FR" sz="2400" dirty="0" smtClean="0"/>
+              <a:t>JORDAN :</a:t>
+            </a:r>
+          </a:p>
+          <a:p>
+            <a:pPr marL="800100" lvl="1" indent="-342900">
+              <a:buFont typeface="Wingdings" panose="05000000000000000000" pitchFamily="2" charset="2"/>
+              <a:buChar char="ü"/>
+            </a:pPr>
+            <a:r>
+              <a:rPr lang="fr-FR" sz="2000" dirty="0"/>
+              <a:t>Savoir </a:t>
+            </a:r>
+            <a:r>
+              <a:rPr lang="fr-FR" sz="2000" dirty="0" smtClean="0"/>
+              <a:t>créer </a:t>
+            </a:r>
+            <a:r>
+              <a:rPr lang="fr-FR" sz="2000" dirty="0"/>
+              <a:t>un </a:t>
+            </a:r>
+            <a:r>
+              <a:rPr lang="fr-FR" sz="2000" dirty="0" smtClean="0"/>
+              <a:t>carrousel automatique</a:t>
+            </a:r>
+          </a:p>
+          <a:p>
+            <a:pPr marL="800100" lvl="1" indent="-342900">
+              <a:buFont typeface="Wingdings" panose="05000000000000000000" pitchFamily="2" charset="2"/>
+              <a:buChar char="ü"/>
+            </a:pPr>
+            <a:endParaRPr lang="fr-FR" sz="2400" dirty="0" smtClean="0"/>
+          </a:p>
+          <a:p>
+            <a:pPr marL="285750" indent="-285750">
+              <a:buFont typeface="Arial" panose="020B0604020202020204" pitchFamily="34" charset="0"/>
+              <a:buChar char="•"/>
+            </a:pPr>
+            <a:r>
+              <a:rPr lang="fr-FR" sz="2400" dirty="0" smtClean="0"/>
+              <a:t>JOSUÉ</a:t>
+            </a:r>
+            <a:r>
+              <a:rPr lang="fr-FR" sz="2400" b="1" dirty="0" smtClean="0"/>
+              <a:t> </a:t>
+            </a:r>
+          </a:p>
+          <a:p>
+            <a:pPr marL="800100" lvl="1" indent="-342900">
+              <a:buFont typeface="Wingdings" panose="05000000000000000000" pitchFamily="2" charset="2"/>
+              <a:buChar char="ü"/>
+            </a:pPr>
+            <a:r>
+              <a:rPr lang="fr-FR" sz="2000" dirty="0" smtClean="0"/>
+              <a:t>Intégration de JavaScript</a:t>
+            </a:r>
+          </a:p>
+          <a:p>
+            <a:pPr marL="285750" indent="-285750">
+              <a:buFont typeface="Arial" panose="020B0604020202020204" pitchFamily="34" charset="0"/>
+              <a:buChar char="•"/>
+            </a:pPr>
+            <a:endParaRPr lang="fr-FR" sz="2400" dirty="0"/>
+          </a:p>
+          <a:p>
+            <a:pPr marL="285750" indent="-285750">
+              <a:buFont typeface="Arial" panose="020B0604020202020204" pitchFamily="34" charset="0"/>
+              <a:buChar char="•"/>
+            </a:pPr>
+            <a:r>
+              <a:rPr lang="fr-FR" sz="2400" dirty="0" smtClean="0"/>
+              <a:t>BASTIEN :</a:t>
+            </a:r>
+          </a:p>
+          <a:p>
+            <a:pPr marL="800100" lvl="1" indent="-342900">
+              <a:buFont typeface="Wingdings" panose="05000000000000000000" pitchFamily="2" charset="2"/>
+              <a:buChar char="ü"/>
+            </a:pPr>
+            <a:r>
+              <a:rPr lang="fr-FR" sz="2000" dirty="0"/>
+              <a:t>Utilisation </a:t>
+            </a:r>
+            <a:r>
+              <a:rPr lang="fr-FR" sz="2000" dirty="0"/>
+              <a:t>de </a:t>
+            </a:r>
+            <a:r>
+              <a:rPr lang="fr-FR" sz="2000" dirty="0" smtClean="0"/>
+              <a:t>l’API </a:t>
+            </a:r>
+            <a:r>
+              <a:rPr lang="fr-FR" sz="2000" dirty="0"/>
+              <a:t>pour </a:t>
+            </a:r>
+            <a:r>
+              <a:rPr lang="fr-FR" sz="2000" dirty="0"/>
+              <a:t>la gestions des éléments </a:t>
+            </a:r>
+            <a:r>
+              <a:rPr lang="fr-FR" sz="2000" dirty="0"/>
+              <a:t>côté </a:t>
+            </a:r>
+            <a:r>
+              <a:rPr lang="fr-FR" sz="2000" dirty="0" smtClean="0"/>
+              <a:t>client</a:t>
+            </a:r>
+            <a:endParaRPr lang="fr-FR" sz="2000" dirty="0"/>
+          </a:p>
+          <a:p>
+            <a:pPr marL="285750" indent="-285750" algn="ctr">
+              <a:buFont typeface="Arial" panose="020B0604020202020204" pitchFamily="34" charset="0"/>
+              <a:buChar char="•"/>
+            </a:pPr>
+            <a:endParaRPr lang="fr-FR" sz="2400" dirty="0" smtClean="0"/>
+          </a:p>
+          <a:p>
+            <a:pPr marL="285750" indent="-285750">
+              <a:buFont typeface="Arial" panose="020B0604020202020204" pitchFamily="34" charset="0"/>
+              <a:buChar char="•"/>
+            </a:pPr>
+            <a:r>
+              <a:rPr lang="fr-FR" sz="2400" dirty="0" smtClean="0"/>
+              <a:t>GRISCHKA :</a:t>
+            </a:r>
+          </a:p>
+          <a:p>
+            <a:pPr marL="800100" lvl="1" indent="-342900">
+              <a:buFont typeface="Wingdings" panose="05000000000000000000" pitchFamily="2" charset="2"/>
+              <a:buChar char="ü"/>
+            </a:pPr>
+            <a:r>
+              <a:rPr lang="fr-FR" sz="2000" dirty="0"/>
+              <a:t>Utilisation de </a:t>
+            </a:r>
+            <a:r>
+              <a:rPr lang="fr-FR" sz="2000" dirty="0" smtClean="0"/>
+              <a:t>l‘API</a:t>
+            </a:r>
+            <a:endParaRPr lang="fr-FR" sz="2000" dirty="0"/>
+          </a:p>
+          <a:p>
+            <a:pPr marL="800100" lvl="1" indent="-342900">
+              <a:buFont typeface="Wingdings" panose="05000000000000000000" pitchFamily="2" charset="2"/>
+              <a:buChar char="ü"/>
+            </a:pPr>
+            <a:r>
+              <a:rPr lang="fr-FR" sz="2000" dirty="0" smtClean="0"/>
+              <a:t>Création de carte personnalisée</a:t>
+            </a:r>
+          </a:p>
+          <a:p>
+            <a:pPr lvl="1"/>
+            <a:endParaRPr lang="fr-FR" sz="2000" dirty="0" smtClean="0"/>
+          </a:p>
+          <a:p>
+            <a:pPr marL="285750" indent="-285750">
+              <a:buFont typeface="Arial" panose="020B0604020202020204" pitchFamily="34" charset="0"/>
+              <a:buChar char="•"/>
+            </a:pPr>
+            <a:r>
+              <a:rPr lang="fr-FR" sz="2400" dirty="0" smtClean="0"/>
+              <a:t>THOMAS :</a:t>
+            </a:r>
+            <a:endParaRPr lang="fr-FR" dirty="0"/>
+          </a:p>
+        </p:txBody>
+      </p:sp>
+      <p:pic>
+        <p:nvPicPr>
+          <p:cNvPr id="19" name="Image 18"/>
+          <p:cNvPicPr>
+            <a:picLocks noChangeAspect="1"/>
+          </p:cNvPicPr>
+          <p:nvPr/>
+        </p:nvPicPr>
+        <p:blipFill>
+          <a:blip r:embed="rId2">
+            <a:extLst>
+              <a:ext uri="{28A0092B-C50C-407E-A947-70E740481C1C}">
+                <a14:useLocalDpi xmlns:a14="http://schemas.microsoft.com/office/drawing/2010/main" val="0"/>
+              </a:ext>
+            </a:extLst>
+          </a:blip>
+          <a:stretch>
+            <a:fillRect/>
+          </a:stretch>
+        </p:blipFill>
+        <p:spPr>
+          <a:xfrm>
+            <a:off x="8273473" y="3103419"/>
+            <a:ext cx="4230255" cy="4230255"/>
+          </a:xfrm>
+          <a:prstGeom prst="rect">
+            <a:avLst/>
+          </a:prstGeom>
+        </p:spPr>
+      </p:pic>
+    </p:spTree>
+    <p:extLst>
+      <p:ext uri="{BB962C8B-B14F-4D97-AF65-F5344CB8AC3E}">
+        <p14:creationId xmlns:p14="http://schemas.microsoft.com/office/powerpoint/2010/main" val="492011469"/>
+      </p:ext>
+    </p:extLst>
+  </p:cSld>
+  <p:clrMapOvr>
+    <a:masterClrMapping/>
+  </p:clrMapOvr>
+  <p:timing>
+    <p:tnLst>
+      <p:par>
+        <p:cTn id="1" dur="indefinite" restart="never" nodeType="tmRoot">
+          <p:childTnLst>
+            <p:seq concurrent="1" nextAc="seek">
+              <p:cTn id="2" dur="indefinite" nodeType="mainSeq">
+                <p:childTnLst>
+                  <p:par>
+                    <p:cTn id="3" fill="hold">
+                      <p:stCondLst>
+                        <p:cond delay="indefinite"/>
+                        <p:cond evt="onBegin" delay="0">
+                          <p:tn val="2"/>
+                        </p:cond>
+                      </p:stCondLst>
+                      <p:childTnLst>
+                        <p:par>
+                          <p:cTn id="4" fill="hold">
+                            <p:stCondLst>
+                              <p:cond delay="0"/>
+                            </p:stCondLst>
+                            <p:childTnLst>
+                              <p:par>
+                                <p:cTn id="5" presetID="21" presetClass="entr" presetSubtype="1" fill="hold" nodeType="withEffect">
+                                  <p:stCondLst>
+                                    <p:cond delay="3000"/>
+                                  </p:stCondLst>
+                                  <p:childTnLst>
+                                    <p:set>
+                                      <p:cBhvr>
+                                        <p:cTn id="6" dur="1" fill="hold">
+                                          <p:stCondLst>
+                                            <p:cond delay="0"/>
+                                          </p:stCondLst>
+                                        </p:cTn>
+                                        <p:tgtEl>
+                                          <p:spTgt spid="19"/>
+                                        </p:tgtEl>
+                                        <p:attrNameLst>
+                                          <p:attrName>style.visibility</p:attrName>
+                                        </p:attrNameLst>
+                                      </p:cBhvr>
+                                      <p:to>
+                                        <p:strVal val="visible"/>
+                                      </p:to>
+                                    </p:set>
+                                    <p:animEffect transition="in" filter="wheel(1)">
+                                      <p:cBhvr>
+                                        <p:cTn id="7" dur="2000"/>
+                                        <p:tgtEl>
+                                          <p:spTgt spid="19"/>
+                                        </p:tgtEl>
+                                      </p:cBhvr>
+                                    </p:animEffect>
+                                  </p:childTnLst>
+                                </p:cTn>
+                              </p:par>
+                            </p:childTnLst>
+                          </p:cTn>
+                        </p:par>
+                      </p:childTnLst>
+                    </p:cTn>
+                  </p:par>
+                </p:childTnLst>
+              </p:cTn>
+              <p:prevCondLst>
+                <p:cond evt="onPrev" delay="0">
+                  <p:tgtEl>
+                    <p:sldTgt/>
+                  </p:tgtEl>
+                </p:cond>
+              </p:prevCondLst>
+              <p:nextCondLst>
+                <p:cond evt="onNext" delay="0">
+                  <p:tgtEl>
+                    <p:sldTgt/>
+                  </p:tgtEl>
+                </p:cond>
+              </p:nextCondLst>
+            </p:seq>
+          </p:childTnLst>
+        </p:cTn>
+      </p:par>
+    </p:tnLst>
+  </p:timing>
+</p:sld>
+</file>
+
+<file path=ppt/slides/slide14.xml><?xml version="1.0" encoding="utf-8"?>
+<p:sld xmlns:a="http://schemas.openxmlformats.org/drawingml/2006/main" xmlns:r="http://schemas.openxmlformats.org/officeDocument/2006/relationships" xmlns:p="http://schemas.openxmlformats.org/presentationml/2006/main">
+  <p:cSld>
+    <p:spTree>
+      <p:nvGrpSpPr>
+        <p:cNvPr id="1" name=""/>
+        <p:cNvGrpSpPr/>
+        <p:nvPr/>
+      </p:nvGrpSpPr>
+      <p:grpSpPr>
+        <a:xfrm>
+          <a:off x="0" y="0"/>
+          <a:ext cx="0" cy="0"/>
+          <a:chOff x="0" y="0"/>
+          <a:chExt cx="0" cy="0"/>
+        </a:xfrm>
+      </p:grpSpPr>
+      <p:sp>
+        <p:nvSpPr>
+          <p:cNvPr id="2" name="Titre 1"/>
+          <p:cNvSpPr>
+            <a:spLocks noGrp="1"/>
+          </p:cNvSpPr>
+          <p:nvPr>
+            <p:ph type="ctrTitle"/>
+          </p:nvPr>
+        </p:nvSpPr>
+        <p:spPr/>
+        <p:txBody>
+          <a:bodyPr/>
+          <a:lstStyle/>
+          <a:p>
+            <a:r>
+              <a:rPr lang="fr-FR" b="1" dirty="0" smtClean="0"/>
+              <a:t>Merci pour votre attention</a:t>
+            </a:r>
+            <a:endParaRPr lang="fr-FR" b="1" dirty="0"/>
+          </a:p>
+        </p:txBody>
+      </p:sp>
+      <p:sp>
+        <p:nvSpPr>
+          <p:cNvPr id="3" name="Sous-titre 2"/>
+          <p:cNvSpPr>
+            <a:spLocks noGrp="1"/>
+          </p:cNvSpPr>
+          <p:nvPr>
+            <p:ph type="subTitle" idx="1"/>
+          </p:nvPr>
+        </p:nvSpPr>
+        <p:spPr>
+          <a:xfrm>
+            <a:off x="1529540" y="0"/>
+            <a:ext cx="9144000" cy="2318327"/>
+          </a:xfrm>
+        </p:spPr>
+        <p:txBody>
+          <a:bodyPr>
+            <a:normAutofit/>
+          </a:bodyPr>
+          <a:lstStyle/>
+          <a:p>
+            <a:r>
+              <a:rPr lang="fr-FR" sz="1800" b="1" dirty="0" smtClean="0"/>
+              <a:t>Bastien BOUREZ</a:t>
+            </a:r>
+          </a:p>
+          <a:p>
+            <a:r>
+              <a:rPr lang="fr-FR" sz="1800" b="1" dirty="0" smtClean="0"/>
+              <a:t>Grischka GORSKI</a:t>
+            </a:r>
+          </a:p>
+          <a:p>
+            <a:r>
+              <a:rPr lang="fr-FR" sz="1800" b="1" dirty="0" smtClean="0"/>
+              <a:t>Jordan MAHAUT</a:t>
+            </a:r>
+          </a:p>
+          <a:p>
+            <a:r>
+              <a:rPr lang="fr-FR" sz="1800" b="1" dirty="0" smtClean="0"/>
+              <a:t>Josué BATON</a:t>
+            </a:r>
+          </a:p>
+          <a:p>
+            <a:r>
+              <a:rPr lang="fr-FR" sz="1800" b="1" dirty="0" smtClean="0"/>
+              <a:t>Thomas DULOMPONT</a:t>
+            </a:r>
+          </a:p>
+          <a:p>
+            <a:endParaRPr lang="fr-FR" sz="3200" b="1" dirty="0"/>
+          </a:p>
+        </p:txBody>
+      </p:sp>
+      <p:pic>
+        <p:nvPicPr>
+          <p:cNvPr id="5" name="Image 4"/>
+          <p:cNvPicPr>
+            <a:picLocks noChangeAspect="1"/>
+          </p:cNvPicPr>
+          <p:nvPr/>
+        </p:nvPicPr>
+        <p:blipFill>
+          <a:blip r:embed="rId2">
+            <a:extLst>
+              <a:ext uri="{28A0092B-C50C-407E-A947-70E740481C1C}">
+                <a14:useLocalDpi xmlns:a14="http://schemas.microsoft.com/office/drawing/2010/main" val="0"/>
+              </a:ext>
+            </a:extLst>
+          </a:blip>
+          <a:stretch>
+            <a:fillRect/>
+          </a:stretch>
+        </p:blipFill>
+        <p:spPr>
+          <a:xfrm>
+            <a:off x="4137659" y="3325090"/>
+            <a:ext cx="3927045" cy="3927045"/>
+          </a:xfrm>
+          <a:prstGeom prst="rect">
+            <a:avLst/>
+          </a:prstGeom>
+        </p:spPr>
+      </p:pic>
+    </p:spTree>
+    <p:extLst>
+      <p:ext uri="{BB962C8B-B14F-4D97-AF65-F5344CB8AC3E}">
+        <p14:creationId xmlns:p14="http://schemas.microsoft.com/office/powerpoint/2010/main" val="3698517790"/>
+      </p:ext>
+    </p:extLst>
+  </p:cSld>
+  <p:clrMapOvr>
+    <a:masterClrMapping/>
+  </p:clrMapOvr>
+  <p:timing>
+    <p:tnLst>
+      <p:par>
+        <p:cTn id="1" dur="indefinite" restart="never" nodeType="tmRoot">
+          <p:childTnLst>
+            <p:seq concurrent="1" nextAc="seek">
+              <p:cTn id="2" dur="indefinite" nodeType="mainSeq">
+                <p:childTnLst>
+                  <p:par>
+                    <p:cTn id="3" fill="hold">
+                      <p:stCondLst>
+                        <p:cond delay="indefinite"/>
+                        <p:cond evt="onBegin" delay="0">
+                          <p:tn val="2"/>
+                        </p:cond>
+                      </p:stCondLst>
+                      <p:childTnLst>
+                        <p:par>
+                          <p:cTn id="4" fill="hold">
+                            <p:stCondLst>
+                              <p:cond delay="0"/>
+                            </p:stCondLst>
+                            <p:childTnLst>
+                              <p:par>
+                                <p:cTn id="5" presetID="32" presetClass="emph" presetSubtype="0" fill="hold" nodeType="withEffect">
+                                  <p:stCondLst>
+                                    <p:cond delay="0"/>
+                                  </p:stCondLst>
+                                  <p:childTnLst>
+                                    <p:animRot by="120000">
+                                      <p:cBhvr>
+                                        <p:cTn id="6" dur="400" fill="hold">
+                                          <p:stCondLst>
+                                            <p:cond delay="0"/>
+                                          </p:stCondLst>
+                                        </p:cTn>
+                                        <p:tgtEl>
+                                          <p:spTgt spid="5"/>
+                                        </p:tgtEl>
+                                        <p:attrNameLst>
+                                          <p:attrName>r</p:attrName>
+                                        </p:attrNameLst>
+                                      </p:cBhvr>
+                                    </p:animRot>
+                                    <p:animRot by="-240000">
+                                      <p:cBhvr>
+                                        <p:cTn id="7" dur="800" fill="hold">
+                                          <p:stCondLst>
+                                            <p:cond delay="800"/>
+                                          </p:stCondLst>
+                                        </p:cTn>
+                                        <p:tgtEl>
+                                          <p:spTgt spid="5"/>
+                                        </p:tgtEl>
+                                        <p:attrNameLst>
+                                          <p:attrName>r</p:attrName>
+                                        </p:attrNameLst>
+                                      </p:cBhvr>
+                                    </p:animRot>
+                                    <p:animRot by="240000">
+                                      <p:cBhvr>
+                                        <p:cTn id="8" dur="800" fill="hold">
+                                          <p:stCondLst>
+                                            <p:cond delay="1600"/>
+                                          </p:stCondLst>
+                                        </p:cTn>
+                                        <p:tgtEl>
+                                          <p:spTgt spid="5"/>
+                                        </p:tgtEl>
+                                        <p:attrNameLst>
+                                          <p:attrName>r</p:attrName>
+                                        </p:attrNameLst>
+                                      </p:cBhvr>
+                                    </p:animRot>
+                                    <p:animRot by="-240000">
+                                      <p:cBhvr>
+                                        <p:cTn id="9" dur="800" fill="hold">
+                                          <p:stCondLst>
+                                            <p:cond delay="2400"/>
+                                          </p:stCondLst>
+                                        </p:cTn>
+                                        <p:tgtEl>
+                                          <p:spTgt spid="5"/>
+                                        </p:tgtEl>
+                                        <p:attrNameLst>
+                                          <p:attrName>r</p:attrName>
+                                        </p:attrNameLst>
+                                      </p:cBhvr>
+                                    </p:animRot>
+                                    <p:animRot by="120000">
+                                      <p:cBhvr>
+                                        <p:cTn id="10" dur="800" fill="hold">
+                                          <p:stCondLst>
+                                            <p:cond delay="3200"/>
+                                          </p:stCondLst>
+                                        </p:cTn>
+                                        <p:tgtEl>
+                                          <p:spTgt spid="5"/>
+                                        </p:tgtEl>
+                                        <p:attrNameLst>
+                                          <p:attrName>r</p:attrName>
+                                        </p:attrNameLst>
+                                      </p:cBhvr>
+                                    </p:animRot>
+                                  </p:childTnLst>
+                                </p:cTn>
+                              </p:par>
+                            </p:childTnLst>
+                          </p:cTn>
+                        </p:par>
+                      </p:childTnLst>
+                    </p:cTn>
+                  </p:par>
+                </p:childTnLst>
+              </p:cTn>
+              <p:prevCondLst>
+                <p:cond evt="onPrev" delay="0">
+                  <p:tgtEl>
+                    <p:sldTgt/>
+                  </p:tgtEl>
+                </p:cond>
+              </p:prevCondLst>
+              <p:nextCondLst>
+                <p:cond evt="onNext" delay="0">
+                  <p:tgtEl>
+                    <p:sldTgt/>
+                  </p:tgtEl>
+                </p:cond>
+              </p:nextCondLst>
+            </p:seq>
+          </p:childTnLst>
+        </p:cTn>
       </p:par>
     </p:tnLst>
   </p:timing>
@@ -3780,7 +4953,275 @@
           <a:p>
             <a:r>
               <a:rPr lang="fr-FR" dirty="0" smtClean="0"/>
+              <a:t>Sommaire</a:t>
+            </a:r>
+            <a:endParaRPr lang="fr-FR" dirty="0"/>
+          </a:p>
+        </p:txBody>
+      </p:sp>
+      <p:sp>
+        <p:nvSpPr>
+          <p:cNvPr id="3" name="Espace réservé du texte 2"/>
+          <p:cNvSpPr>
+            <a:spLocks noGrp="1"/>
+          </p:cNvSpPr>
+          <p:nvPr>
+            <p:ph type="body" idx="1"/>
+          </p:nvPr>
+        </p:nvSpPr>
+        <p:spPr>
+          <a:xfrm>
+            <a:off x="4213700" y="4010334"/>
+            <a:ext cx="5225864" cy="2847666"/>
+          </a:xfrm>
+        </p:spPr>
+        <p:txBody>
+          <a:bodyPr>
+            <a:normAutofit/>
+          </a:bodyPr>
+          <a:lstStyle/>
+          <a:p>
+            <a:pPr marL="457200" indent="-457200" algn="l">
+              <a:buClr>
+                <a:schemeClr val="tx2"/>
+              </a:buClr>
+              <a:buFont typeface="Arial" panose="020B0604020202020204" pitchFamily="34" charset="0"/>
+              <a:buChar char="•"/>
+            </a:pPr>
+            <a:r>
+              <a:rPr lang="fr-FR" sz="2800" dirty="0" smtClean="0"/>
               <a:t>Présentation du projet</a:t>
+            </a:r>
+          </a:p>
+          <a:p>
+            <a:pPr marL="457200" indent="-457200" algn="l">
+              <a:buClr>
+                <a:schemeClr val="tx2"/>
+              </a:buClr>
+              <a:buFont typeface="Arial" panose="020B0604020202020204" pitchFamily="34" charset="0"/>
+              <a:buChar char="•"/>
+            </a:pPr>
+            <a:r>
+              <a:rPr lang="fr-FR" sz="2800" dirty="0" smtClean="0"/>
+              <a:t>Présentation des maquettes</a:t>
+            </a:r>
+          </a:p>
+          <a:p>
+            <a:pPr marL="457200" indent="-457200" algn="l">
+              <a:buClr>
+                <a:schemeClr val="tx2"/>
+              </a:buClr>
+              <a:buFont typeface="Arial" panose="020B0604020202020204" pitchFamily="34" charset="0"/>
+              <a:buChar char="•"/>
+            </a:pPr>
+            <a:r>
+              <a:rPr lang="fr-FR" sz="2800" dirty="0" smtClean="0"/>
+              <a:t>Résultat final</a:t>
+            </a:r>
+          </a:p>
+          <a:p>
+            <a:pPr marL="457200" indent="-457200" algn="l">
+              <a:buClr>
+                <a:schemeClr val="tx2"/>
+              </a:buClr>
+              <a:buFont typeface="Arial" panose="020B0604020202020204" pitchFamily="34" charset="0"/>
+              <a:buChar char="•"/>
+            </a:pPr>
+            <a:r>
+              <a:rPr lang="fr-FR" sz="2800" dirty="0" smtClean="0"/>
+              <a:t>Les difficultés</a:t>
+            </a:r>
+          </a:p>
+          <a:p>
+            <a:pPr marL="457200" indent="-457200" algn="l">
+              <a:buClr>
+                <a:schemeClr val="tx2"/>
+              </a:buClr>
+              <a:buFont typeface="Arial" panose="020B0604020202020204" pitchFamily="34" charset="0"/>
+              <a:buChar char="•"/>
+            </a:pPr>
+            <a:r>
+              <a:rPr lang="fr-FR" sz="2800" dirty="0" smtClean="0"/>
+              <a:t>Les choses apprises</a:t>
+            </a:r>
+          </a:p>
+          <a:p>
+            <a:endParaRPr lang="fr-FR" dirty="0"/>
+          </a:p>
+        </p:txBody>
+      </p:sp>
+      <p:pic>
+        <p:nvPicPr>
+          <p:cNvPr id="4" name="Image 3"/>
+          <p:cNvPicPr>
+            <a:picLocks noChangeAspect="1"/>
+          </p:cNvPicPr>
+          <p:nvPr/>
+        </p:nvPicPr>
+        <p:blipFill>
+          <a:blip r:embed="rId2">
+            <a:extLst>
+              <a:ext uri="{28A0092B-C50C-407E-A947-70E740481C1C}">
+                <a14:useLocalDpi xmlns:a14="http://schemas.microsoft.com/office/drawing/2010/main" val="0"/>
+              </a:ext>
+            </a:extLst>
+          </a:blip>
+          <a:stretch>
+            <a:fillRect/>
+          </a:stretch>
+        </p:blipFill>
+        <p:spPr>
+          <a:xfrm>
+            <a:off x="4699763" y="-64655"/>
+            <a:ext cx="2782455" cy="2782455"/>
+          </a:xfrm>
+          <a:prstGeom prst="rect">
+            <a:avLst/>
+          </a:prstGeom>
+        </p:spPr>
+      </p:pic>
+    </p:spTree>
+    <p:extLst>
+      <p:ext uri="{BB962C8B-B14F-4D97-AF65-F5344CB8AC3E}">
+        <p14:creationId xmlns:p14="http://schemas.microsoft.com/office/powerpoint/2010/main" val="1018268387"/>
+      </p:ext>
+    </p:extLst>
+  </p:cSld>
+  <p:clrMapOvr>
+    <a:masterClrMapping/>
+  </p:clrMapOvr>
+  <p:timing>
+    <p:tnLst>
+      <p:par>
+        <p:cTn id="1" dur="indefinite" restart="never" nodeType="tmRoot">
+          <p:childTnLst>
+            <p:seq concurrent="1" nextAc="seek">
+              <p:cTn id="2" dur="indefinite" nodeType="mainSeq">
+                <p:childTnLst>
+                  <p:par>
+                    <p:cTn id="3" fill="hold">
+                      <p:stCondLst>
+                        <p:cond delay="indefinite"/>
+                        <p:cond evt="onBegin" delay="0">
+                          <p:tn val="2"/>
+                        </p:cond>
+                      </p:stCondLst>
+                      <p:childTnLst>
+                        <p:par>
+                          <p:cTn id="4" fill="hold">
+                            <p:stCondLst>
+                              <p:cond delay="0"/>
+                            </p:stCondLst>
+                            <p:childTnLst>
+                              <p:par>
+                                <p:cTn id="5" presetID="16" presetClass="entr" presetSubtype="21" fill="hold" nodeType="withEffect">
+                                  <p:stCondLst>
+                                    <p:cond delay="0"/>
+                                  </p:stCondLst>
+                                  <p:childTnLst>
+                                    <p:set>
+                                      <p:cBhvr>
+                                        <p:cTn id="6" dur="1" fill="hold">
+                                          <p:stCondLst>
+                                            <p:cond delay="0"/>
+                                          </p:stCondLst>
+                                        </p:cTn>
+                                        <p:tgtEl>
+                                          <p:spTgt spid="4"/>
+                                        </p:tgtEl>
+                                        <p:attrNameLst>
+                                          <p:attrName>style.visibility</p:attrName>
+                                        </p:attrNameLst>
+                                      </p:cBhvr>
+                                      <p:to>
+                                        <p:strVal val="visible"/>
+                                      </p:to>
+                                    </p:set>
+                                    <p:animEffect transition="in" filter="barn(inVertical)">
+                                      <p:cBhvr>
+                                        <p:cTn id="7" dur="1000"/>
+                                        <p:tgtEl>
+                                          <p:spTgt spid="4"/>
+                                        </p:tgtEl>
+                                      </p:cBhvr>
+                                    </p:animEffect>
+                                  </p:childTnLst>
+                                </p:cTn>
+                              </p:par>
+                            </p:childTnLst>
+                          </p:cTn>
+                        </p:par>
+                      </p:childTnLst>
+                    </p:cTn>
+                  </p:par>
+                </p:childTnLst>
+              </p:cTn>
+              <p:prevCondLst>
+                <p:cond evt="onPrev" delay="0">
+                  <p:tgtEl>
+                    <p:sldTgt/>
+                  </p:tgtEl>
+                </p:cond>
+              </p:prevCondLst>
+              <p:nextCondLst>
+                <p:cond evt="onNext" delay="0">
+                  <p:tgtEl>
+                    <p:sldTgt/>
+                  </p:tgtEl>
+                </p:cond>
+              </p:nextCondLst>
+            </p:seq>
+          </p:childTnLst>
+        </p:cTn>
+      </p:par>
+    </p:tnLst>
+  </p:timing>
+</p:sld>
+</file>
+
+<file path=ppt/slides/slide3.xml><?xml version="1.0" encoding="utf-8"?>
+<p:sld xmlns:a="http://schemas.openxmlformats.org/drawingml/2006/main" xmlns:r="http://schemas.openxmlformats.org/officeDocument/2006/relationships" xmlns:p="http://schemas.openxmlformats.org/presentationml/2006/main">
+  <p:cSld>
+    <p:spTree>
+      <p:nvGrpSpPr>
+        <p:cNvPr id="1" name=""/>
+        <p:cNvGrpSpPr/>
+        <p:nvPr/>
+      </p:nvGrpSpPr>
+      <p:grpSpPr>
+        <a:xfrm>
+          <a:off x="0" y="0"/>
+          <a:ext cx="0" cy="0"/>
+          <a:chOff x="0" y="0"/>
+          <a:chExt cx="0" cy="0"/>
+        </a:xfrm>
+      </p:grpSpPr>
+      <p:sp>
+        <p:nvSpPr>
+          <p:cNvPr id="2" name="Titre 1"/>
+          <p:cNvSpPr>
+            <a:spLocks noGrp="1"/>
+          </p:cNvSpPr>
+          <p:nvPr>
+            <p:ph type="title"/>
+          </p:nvPr>
+        </p:nvSpPr>
+        <p:spPr/>
+        <p:txBody>
+          <a:bodyPr/>
+          <a:lstStyle/>
+          <a:p>
+            <a:r>
+              <a:rPr lang="fr-FR" dirty="0" smtClean="0"/>
+              <a:t>Présentation </a:t>
+            </a:r>
+            <a:r>
+              <a:rPr lang="fr-FR" dirty="0" smtClean="0"/>
+              <a:t>de </a:t>
+            </a:r>
+            <a:r>
+              <a:rPr lang="fr-FR" dirty="0" err="1" smtClean="0"/>
+              <a:t>vélodyssée</a:t>
             </a:r>
             <a:endParaRPr lang="fr-FR" dirty="0"/>
           </a:p>
@@ -3809,6 +5250,9 @@
           <a:lstStyle/>
           <a:p>
             <a:pPr marL="342900" indent="-342900" algn="l">
+              <a:buClr>
+                <a:schemeClr val="tx2"/>
+              </a:buClr>
               <a:buFont typeface="Arial" panose="020B0604020202020204" pitchFamily="34" charset="0"/>
               <a:buChar char="•"/>
             </a:pPr>
@@ -3831,6 +5275,9 @@
           </a:p>
           <a:p>
             <a:pPr marL="342900" indent="-342900" algn="l">
+              <a:buClr>
+                <a:schemeClr val="tx2"/>
+              </a:buClr>
               <a:buFont typeface="Arial" panose="020B0604020202020204" pitchFamily="34" charset="0"/>
               <a:buChar char="•"/>
             </a:pPr>
@@ -3845,6 +5292,9 @@
           </a:p>
           <a:p>
             <a:pPr marL="342900" indent="-342900" algn="l">
+              <a:buClr>
+                <a:schemeClr val="tx2"/>
+              </a:buClr>
               <a:buFont typeface="Arial" panose="020B0604020202020204" pitchFamily="34" charset="0"/>
               <a:buChar char="•"/>
             </a:pPr>
@@ -3859,6 +5309,9 @@
           </a:p>
           <a:p>
             <a:pPr marL="342900" indent="-342900" algn="l">
+              <a:buClr>
+                <a:schemeClr val="tx2"/>
+              </a:buClr>
               <a:buFont typeface="Arial" panose="020B0604020202020204" pitchFamily="34" charset="0"/>
               <a:buChar char="•"/>
             </a:pPr>
@@ -3938,7 +5391,7 @@
 </p:sld>
 </file>
 
-<file path=ppt/slides/slide3.xml><?xml version="1.0" encoding="utf-8"?>
+<file path=ppt/slides/slide4.xml><?xml version="1.0" encoding="utf-8"?>
 <p:sld xmlns:a="http://schemas.openxmlformats.org/drawingml/2006/main" xmlns:r="http://schemas.openxmlformats.org/officeDocument/2006/relationships" xmlns:p="http://schemas.openxmlformats.org/presentationml/2006/main">
   <p:cSld>
     <p:spTree>
@@ -4086,7 +5539,7 @@
             </a:r>
             <a:r>
               <a:rPr lang="fr-FR" sz="2400" dirty="0" smtClean="0"/>
-              <a:t>fournis </a:t>
+              <a:t>fournies </a:t>
             </a:r>
             <a:r>
               <a:rPr lang="fr-FR" sz="2400" dirty="0"/>
@@ -4105,11 +5558,11 @@
   <p:clrMapOvr>
     <a:masterClrMapping/>
   </p:clrMapOvr>
-  <mc:AlternateContent xmlns:mc="http://schemas.openxmlformats.org/markup-compatibility/2006">
-    <mc:Choice xmlns:p14="http://schemas.microsoft.com/office/powerpoint/2010/main" Requires="p14">
+  <mc:AlternateContent xmlns:mc="http://schemas.openxmlformats.org/markup-compatibility/2006" xmlns:p14="http://schemas.microsoft.com/office/powerpoint/2010/main">
+    <mc:Choice Requires="p14">
       <p:transition p14:dur="10"/>
     </mc:Choice>
-    <mc:Fallback>
+    <mc:Fallback xmlns="">
       <p:transition/>
     </mc:Fallback>
   </mc:AlternateContent>
@@ -4202,7 +5655,7 @@
 </p:sld>
 </file>
 
-<file path=ppt/slides/slide4.xml><?xml version="1.0" encoding="utf-8"?>
+<file path=ppt/slides/slide5.xml><?xml version="1.0" encoding="utf-8"?>
 <p:sld xmlns:a="http://schemas.openxmlformats.org/drawingml/2006/main" xmlns:r="http://schemas.openxmlformats.org/officeDocument/2006/relationships" xmlns:p="http://schemas.openxmlformats.org/presentationml/2006/main">
   <p:cSld>
     <p:spTree>
@@ -4395,7 +5848,11 @@
             </a:r>
             <a:r>
               <a:rPr lang="fr-FR" sz="2600" dirty="0"/>
-              <a:t> et d'une api </a:t>
+              <a:t> et d'une </a:t>
+            </a:r>
+            <a:r>
+              <a:rPr lang="fr-FR" sz="2600" dirty="0" smtClean="0"/>
+              <a:t>API </a:t>
             </a:r>
             <a:r>
               <a:rPr lang="fr-FR" sz="2600" dirty="0" smtClean="0"/>
@@ -4455,7 +5912,7 @@
 </p:sld>
 </file>
 
-<file path=ppt/slides/slide5.xml><?xml version="1.0" encoding="utf-8"?>
+<file path=ppt/slides/slide6.xml><?xml version="1.0" encoding="utf-8"?>
 <p:sld xmlns:a="http://schemas.openxmlformats.org/drawingml/2006/main" xmlns:r="http://schemas.openxmlformats.org/officeDocument/2006/relationships" xmlns:p="http://schemas.openxmlformats.org/presentationml/2006/main">
   <p:cSld>
     <p:spTree>
@@ -4552,7 +6009,7 @@
 </p:sld>
 </file>
 
-<file path=ppt/slides/slide6.xml><?xml version="1.0" encoding="utf-8"?>
+<file path=ppt/slides/slide7.xml><?xml version="1.0" encoding="utf-8"?>
 <p:sld xmlns:a="http://schemas.openxmlformats.org/drawingml/2006/main" xmlns:r="http://schemas.openxmlformats.org/officeDocument/2006/relationships" xmlns:p="http://schemas.openxmlformats.org/presentationml/2006/main">
   <p:cSld>
     <p:spTree>
@@ -4607,11 +6064,7 @@
             <a:pPr algn="ctr"/>
             <a:r>
               <a:rPr lang="fr-FR" dirty="0" smtClean="0"/>
-              <a:t>Votre </a:t>
-            </a:r>
-            <a:r>
-              <a:rPr lang="fr-FR" dirty="0" smtClean="0"/>
-              <a:t>site</a:t>
+              <a:t>Vos sites</a:t>
             </a:r>
             <a:endParaRPr lang="fr-FR" dirty="0"/>
           </a:p>
@@ -4982,7 +6435,7 @@
 </p:sld>
 </file>
 
-<file path=ppt/slides/slide7.xml><?xml version="1.0" encoding="utf-8"?>
+<file path=ppt/slides/slide8.xml><?xml version="1.0" encoding="utf-8"?>
 <p:sld xmlns:a="http://schemas.openxmlformats.org/drawingml/2006/main" xmlns:r="http://schemas.openxmlformats.org/officeDocument/2006/relationships" xmlns:p="http://schemas.openxmlformats.org/presentationml/2006/main">
   <p:cSld>
     <p:spTree>
@@ -5254,7 +6707,7 @@
 </p:sld>
 </file>
 
-<file path=ppt/slides/slide8.xml><?xml version="1.0" encoding="utf-8"?>
+<file path=ppt/slides/slide9.xml><?xml version="1.0" encoding="utf-8"?>
 <p:sld xmlns:a="http://schemas.openxmlformats.org/drawingml/2006/main" xmlns:r="http://schemas.openxmlformats.org/officeDocument/2006/relationships" xmlns:p="http://schemas.openxmlformats.org/presentationml/2006/main">
   <p:cSld>
     <p:spTree>
@@ -5326,32 +6779,36 @@
           </a:bodyPr>
           <a:lstStyle/>
           <a:p>
+            <a:pPr marL="342900" indent="-342900" algn="ctr">
+              <a:buFontTx/>
+              <a:buChar char="-"/>
+            </a:pPr>
+            <a:r>
+              <a:rPr lang="fr-FR" sz="2400" dirty="0" smtClean="0"/>
+              <a:t>Polices </a:t>
+            </a:r>
+            <a:r>
+              <a:rPr lang="fr-FR" sz="2400" dirty="0"/>
+              <a:t>et couleurs </a:t>
+            </a:r>
+            <a:r>
+              <a:rPr lang="fr-FR" sz="2400" dirty="0" smtClean="0"/>
+              <a:t>respectées</a:t>
+            </a:r>
+          </a:p>
+          <a:p>
+            <a:pPr marL="342900" indent="-342900" algn="ctr">
+              <a:buFontTx/>
+              <a:buChar char="-"/>
+            </a:pPr>
+            <a:endParaRPr lang="fr-FR" sz="2400" dirty="0"/>
+          </a:p>
+          <a:p>
             <a:pPr algn="ctr"/>
             <a:r>
               <a:rPr lang="fr-FR" sz="2400" dirty="0" smtClean="0"/>
-              <a:t>- Polices respectées et des couleurs de </a:t>
-            </a:r>
-            <a:r>
-              <a:rPr lang="fr-FR" sz="2400" dirty="0" smtClean="0"/>
-              <a:t>police</a:t>
-            </a:r>
-            <a:endParaRPr lang="fr-FR" sz="2400" dirty="0" smtClean="0"/>
-          </a:p>
-          <a:p>
-            <a:pPr algn="ctr"/>
-            <a:endParaRPr lang="fr-FR" sz="2400" dirty="0"/>
-          </a:p>
-          <a:p>
-            <a:pPr algn="ctr"/>
-            <a:r>
-              <a:rPr lang="fr-FR" sz="2400" dirty="0" smtClean="0"/>
-              <a:t>- </a:t>
-            </a:r>
-            <a:r>
-              <a:rPr lang="fr-FR" sz="2400" dirty="0" smtClean="0"/>
-              <a:t>Couleur des boutons &amp; boutons transparents</a:t>
-            </a:r>
-            <a:endParaRPr lang="fr-FR" sz="2400" dirty="0" smtClean="0"/>
+              <a:t>- Couleur des boutons &amp; boutons transparents</a:t>
+            </a:r>
           </a:p>
           <a:p>
             <a:pPr algn="ctr"/>
@@ -5380,7 +6837,6 @@
               <a:rPr lang="fr-FR" sz="2400" dirty="0" smtClean="0"/>
               <a:t>- Dispositions des éléments similaires aux autres sites</a:t>
             </a:r>
-            <a:endParaRPr lang="fr-FR" sz="2400" dirty="0" smtClean="0"/>
           </a:p>
           <a:p>
             <a:pPr algn="ctr"/>
@@ -5460,28 +6916,83 @@
                             </p:stCondLst>
                             <p:childTnLst>
                               <p:par>
-                                <p:cTn id="5" presetID="26" presetClass="emph" presetSubtype="0" fill="hold" nodeType="withEffect">
+                                <p:cTn id="5" presetID="45" presetClass="entr" presetSubtype="0" fill="hold" nodeType="withEffect">
                                   <p:stCondLst>
-                                    <p:cond delay="0"/>
+                                    <p:cond delay="1000"/>
                                   </p:stCondLst>
                                   <p:childTnLst>
-                                    <p:animEffect transition="out" filter="fade">
+                                    <p:set>
                                       <p:cBhvr>
-                                        <p:cTn id="6" dur="500" tmFilter="0, 0; .2, .5; .8, .5; 1, 0"/>
+                                        <p:cTn id="6" dur="1" fill="hold">
+                                          <p:stCondLst>
+                                            <p:cond delay="0"/>
+                                          </p:stCondLst>
+                                        </p:cTn>
+                                        <p:tgtEl>
+                                          <p:spTgt spid="4"/>
+                                        </p:tgtEl>
+                                        <p:attrNameLst>
+                                          <p:attrName>style.visibility</p:attrName>
+                                        </p:attrNameLst>
+                                      </p:cBhvr>
+                                      <p:to>
+                                        <p:strVal val="visible"/>
+                                      </p:to>
+                                    </p:set>
+                                    <p:animEffect transition="in" filter="fade">
+                                      <p:cBhvr>
+                                        <p:cTn id="7" dur="2000"/>
                                         <p:tgtEl>
                                           <p:spTgt spid="4"/>
                                         </p:tgtEl>
                                       </p:cBhvr>
                                     </p:animEffect>
-                                    <p:animScale>
+                                    <p:anim calcmode="lin" valueType="num">
                                       <p:cBhvr>
-                                        <p:cTn id="7" dur="250" autoRev="1" fill="hold"/>
+                                        <p:cTn id="8" dur="2000" fill="hold"/>
                                         <p:tgtEl>
                                           <p:spTgt spid="4"/>
                                         </p:tgtEl>
+                                        <p:attrNameLst>
+                                          <p:attrName>ppt_w</p:attrName>
+                                        </p:attrNameLst>
                                       </p:cBhvr>
-                                      <p:by x="105000" y="105000"/>
-                                    </p:animScale>
+                                      <p:tavLst>
+                                        <p:tav tm="0" fmla="#ppt_w*sin(2.5*pi*$)">
+                                          <p:val>
+                                            <p:fltVal val="0"/>
+                                          </p:val>
+                                        </p:tav>
+                                        <p:tav tm="100000">
+                                          <p:val>
+                                            <p:fltVal val="1"/>
+                                          </p:val>
+                                        </p:tav>
+                                      </p:tavLst>
+                                    </p:anim>
+                                    <p:anim calcmode="lin" valueType="num">
+                                      <p:cBhvr>
+                                        <p:cTn id="9" dur="2000" fill="hold"/>
+                                        <p:tgtEl>
+                                          <p:spTgt spid="4"/>
+                                        </p:tgtEl>
+                                        <p:attrNameLst>
+                                          <p:attrName>ppt_h</p:attrName>
+                                        </p:attrNameLst>
+                                      </p:cBhvr>
+                                      <p:tavLst>
+                                        <p:tav tm="0">
+                                          <p:val>
+                                            <p:strVal val="#ppt_h"/>
+                                          </p:val>
+                                        </p:tav>
+                                        <p:tav tm="100000">
+                                          <p:val>
+                                            <p:strVal val="#ppt_h"/>
+                                          </p:val>
+                                        </p:tav>
+                                      </p:tavLst>
+                                    </p:anim>
                                   </p:childTnLst>
                                 </p:cTn>
                               </p:par>
@@ -5510,66 +7021,6 @@
             </p:seq>
           </p:childTnLst>
         </p:cTn>
-      </p:par>
-    </p:tnLst>
-  </p:timing>
-</p:sld>
-</file>
-
-<file path=ppt/slides/slide9.xml><?xml version="1.0" encoding="utf-8"?>
-<p:sld xmlns:a="http://schemas.openxmlformats.org/drawingml/2006/main" xmlns:r="http://schemas.openxmlformats.org/officeDocument/2006/relationships" xmlns:p="http://schemas.openxmlformats.org/presentationml/2006/main">
-  <p:cSld>
-    <p:spTree>
-      <p:nvGrpSpPr>
-        <p:cNvPr id="1" name=""/>
-        <p:cNvGrpSpPr/>
-        <p:nvPr/>
-      </p:nvGrpSpPr>
-      <p:grpSpPr>
-        <a:xfrm>
-          <a:off x="0" y="0"/>
-          <a:ext cx="0" cy="0"/>
-          <a:chOff x="0" y="0"/>
-          <a:chExt cx="0" cy="0"/>
-        </a:xfrm>
-      </p:grpSpPr>
-      <p:sp>
-        <p:nvSpPr>
-          <p:cNvPr id="2" name="Titre 1"/>
-          <p:cNvSpPr>
-            <a:spLocks noGrp="1"/>
-          </p:cNvSpPr>
-          <p:nvPr>
-            <p:ph type="ctrTitle"/>
-          </p:nvPr>
-        </p:nvSpPr>
-        <p:spPr/>
-        <p:txBody>
-          <a:bodyPr/>
-          <a:lstStyle/>
-          <a:p>
-            <a:r>
-              <a:rPr lang="fr-FR" dirty="0" smtClean="0"/>
-              <a:t>LES Difficultés</a:t>
-            </a:r>
-            <a:endParaRPr lang="fr-FR" dirty="0"/>
-          </a:p>
-        </p:txBody>
-      </p:sp>
-    </p:spTree>
-    <p:extLst>
-      <p:ext uri="{BB962C8B-B14F-4D97-AF65-F5344CB8AC3E}">
-        <p14:creationId xmlns:p14="http://schemas.microsoft.com/office/powerpoint/2010/main" val="1433927194"/>
-      </p:ext>
-    </p:extLst>
-  </p:cSld>
-  <p:clrMapOvr>
-    <a:masterClrMapping/>
-  </p:clrMapOvr>
-  <p:timing>
-    <p:tnLst>
-      <p:par>
-        <p:cTn id="1" dur="indefinite" restart="never" nodeType="tmRoot"/>
       </p:par>
     </p:tnLst>
   </p:timing>

--- a/Ressources/Présentation Projet/Vélodyssée.pptx
+++ b/Ressources/Présentation Projet/Vélodyssée.pptx
@@ -19,6 +19,7 @@
     <p:sldId id="271" r:id="rId13"/>
     <p:sldId id="280" r:id="rId14"/>
     <p:sldId id="281" r:id="rId15"/>
+    <p:sldId id="282" r:id="rId16"/>
   </p:sldIdLst>
   <p:sldSz cx="12192000" cy="6858000"/>
   <p:notesSz cx="6858000" cy="9144000"/>
@@ -4429,11 +4430,7 @@
             </a:pPr>
             <a:r>
               <a:rPr lang="fr-FR" sz="2000" dirty="0"/>
-              <a:t>Utilisation </a:t>
-            </a:r>
-            <a:r>
-              <a:rPr lang="fr-FR" sz="2000" dirty="0"/>
-              <a:t>de </a:t>
+              <a:t>Utilisation de </a:t>
             </a:r>
             <a:r>
               <a:rPr lang="fr-FR" sz="2000" dirty="0" smtClean="0"/>
@@ -4441,15 +4438,7 @@
             </a:r>
             <a:r>
               <a:rPr lang="fr-FR" sz="2000" dirty="0"/>
-              <a:t>pour </a:t>
-            </a:r>
-            <a:r>
-              <a:rPr lang="fr-FR" sz="2000" dirty="0"/>
-              <a:t>la gestions des éléments </a:t>
-            </a:r>
-            <a:r>
-              <a:rPr lang="fr-FR" sz="2000" dirty="0"/>
-              <a:t>côté </a:t>
+              <a:t>pour la gestions des éléments côté </a:t>
             </a:r>
             <a:r>
               <a:rPr lang="fr-FR" sz="2000" dirty="0" smtClean="0"/>
@@ -4919,6 +4908,78 @@
 </p:sld>
 </file>
 
+<file path=ppt/slides/slide15.xml><?xml version="1.0" encoding="utf-8"?>
+<p:sld xmlns:a="http://schemas.openxmlformats.org/drawingml/2006/main" xmlns:r="http://schemas.openxmlformats.org/officeDocument/2006/relationships" xmlns:p="http://schemas.openxmlformats.org/presentationml/2006/main">
+  <p:cSld>
+    <p:spTree>
+      <p:nvGrpSpPr>
+        <p:cNvPr id="1" name=""/>
+        <p:cNvGrpSpPr/>
+        <p:nvPr/>
+      </p:nvGrpSpPr>
+      <p:grpSpPr>
+        <a:xfrm>
+          <a:off x="0" y="0"/>
+          <a:ext cx="0" cy="0"/>
+          <a:chOff x="0" y="0"/>
+          <a:chExt cx="0" cy="0"/>
+        </a:xfrm>
+      </p:grpSpPr>
+      <p:sp>
+        <p:nvSpPr>
+          <p:cNvPr id="2" name="Titre 1"/>
+          <p:cNvSpPr>
+            <a:spLocks noGrp="1"/>
+          </p:cNvSpPr>
+          <p:nvPr>
+            <p:ph type="title"/>
+          </p:nvPr>
+        </p:nvSpPr>
+        <p:spPr/>
+        <p:txBody>
+          <a:bodyPr/>
+          <a:lstStyle/>
+          <a:p>
+            <a:r>
+              <a:rPr lang="fr-FR" dirty="0" smtClean="0"/>
+              <a:t>WHAT ? WHY ? WHO ? HOW ?</a:t>
+            </a:r>
+            <a:endParaRPr lang="fr-FR" dirty="0"/>
+          </a:p>
+        </p:txBody>
+      </p:sp>
+      <p:sp>
+        <p:nvSpPr>
+          <p:cNvPr id="3" name="Espace réservé du texte 2"/>
+          <p:cNvSpPr>
+            <a:spLocks noGrp="1"/>
+          </p:cNvSpPr>
+          <p:nvPr>
+            <p:ph type="body" idx="1"/>
+          </p:nvPr>
+        </p:nvSpPr>
+        <p:spPr/>
+        <p:txBody>
+          <a:bodyPr/>
+          <a:lstStyle/>
+          <a:p>
+            <a:endParaRPr lang="fr-FR" dirty="0"/>
+          </a:p>
+        </p:txBody>
+      </p:sp>
+    </p:spTree>
+    <p:extLst>
+      <p:ext uri="{BB962C8B-B14F-4D97-AF65-F5344CB8AC3E}">
+        <p14:creationId xmlns:p14="http://schemas.microsoft.com/office/powerpoint/2010/main" val="3436313939"/>
+      </p:ext>
+    </p:extLst>
+  </p:cSld>
+  <p:clrMapOvr>
+    <a:masterClrMapping/>
+  </p:clrMapOvr>
+</p:sld>
+</file>
+
 <file path=ppt/slides/slide2.xml><?xml version="1.0" encoding="utf-8"?>
 <p:sld xmlns:a="http://schemas.openxmlformats.org/drawingml/2006/main" xmlns:r="http://schemas.openxmlformats.org/officeDocument/2006/relationships" xmlns:p="http://schemas.openxmlformats.org/presentationml/2006/main">
   <p:cSld>
@@ -5213,11 +5274,7 @@
           <a:p>
             <a:r>
               <a:rPr lang="fr-FR" dirty="0" smtClean="0"/>
-              <a:t>Présentation </a:t>
-            </a:r>
-            <a:r>
-              <a:rPr lang="fr-FR" dirty="0" smtClean="0"/>
-              <a:t>de </a:t>
+              <a:t>Présentation de </a:t>
             </a:r>
             <a:r>
               <a:rPr lang="fr-FR" dirty="0" err="1" smtClean="0"/>
@@ -5852,11 +5909,7 @@
             </a:r>
             <a:r>
               <a:rPr lang="fr-FR" sz="2600" dirty="0" smtClean="0"/>
-              <a:t>API </a:t>
-            </a:r>
-            <a:r>
-              <a:rPr lang="fr-FR" sz="2600" dirty="0" smtClean="0"/>
-              <a:t>REST</a:t>
+              <a:t>API REST</a:t>
             </a:r>
             <a:endParaRPr lang="fr-FR" sz="2600" dirty="0"/>
           </a:p>

--- a/Ressources/Présentation Projet/Vélodyssée.pptx
+++ b/Ressources/Présentation Projet/Vélodyssée.pptx
@@ -14,12 +14,13 @@
     <p:sldId id="258" r:id="rId8"/>
     <p:sldId id="277" r:id="rId9"/>
     <p:sldId id="264" r:id="rId10"/>
-    <p:sldId id="269" r:id="rId11"/>
-    <p:sldId id="279" r:id="rId12"/>
-    <p:sldId id="271" r:id="rId13"/>
-    <p:sldId id="280" r:id="rId14"/>
-    <p:sldId id="281" r:id="rId15"/>
-    <p:sldId id="282" r:id="rId16"/>
+    <p:sldId id="282" r:id="rId11"/>
+    <p:sldId id="283" r:id="rId12"/>
+    <p:sldId id="269" r:id="rId13"/>
+    <p:sldId id="279" r:id="rId14"/>
+    <p:sldId id="271" r:id="rId15"/>
+    <p:sldId id="280" r:id="rId16"/>
+    <p:sldId id="281" r:id="rId17"/>
   </p:sldIdLst>
   <p:sldSz cx="12192000" cy="6858000"/>
   <p:notesSz cx="6858000" cy="9144000"/>
@@ -302,7 +303,7 @@
           <a:p>
             <a:fld id="{DDA51639-B2D6-4652-B8C3-1B4C224A7BAF}" type="datetimeFigureOut">
               <a:rPr lang="en-US" smtClean="0"/>
-              <a:t>2/2/2022</a:t>
+              <a:t>2/3/2022</a:t>
             </a:fld>
             <a:endParaRPr lang="en-US" dirty="0"/>
           </a:p>
@@ -473,7 +474,7 @@
           <a:p>
             <a:fld id="{D11A6AA8-A04B-4104-9AE2-BD48D340E27F}" type="datetimeFigureOut">
               <a:rPr lang="en-US" smtClean="0"/>
-              <a:t>2/2/2022</a:t>
+              <a:t>2/3/2022</a:t>
             </a:fld>
             <a:endParaRPr lang="en-US" dirty="0"/>
           </a:p>
@@ -696,7 +697,7 @@
           <a:p>
             <a:fld id="{B4E0BF79-FAC6-4A96-8DE1-F7B82E2E1652}" type="datetimeFigureOut">
               <a:rPr lang="en-US" smtClean="0"/>
-              <a:t>2/2/2022</a:t>
+              <a:t>2/3/2022</a:t>
             </a:fld>
             <a:endParaRPr lang="en-US" dirty="0"/>
           </a:p>
@@ -876,7 +877,7 @@
           <a:p>
             <a:fld id="{82FF5DD9-2C52-442D-92E2-8072C0C3D7CD}" type="datetimeFigureOut">
               <a:rPr lang="en-US" smtClean="0"/>
-              <a:t>2/2/2022</a:t>
+              <a:t>2/3/2022</a:t>
             </a:fld>
             <a:endParaRPr lang="en-US" dirty="0"/>
           </a:p>
@@ -1183,7 +1184,7 @@
           <a:p>
             <a:fld id="{C44961B7-6B89-48AB-966F-622E2788EECC}" type="datetimeFigureOut">
               <a:rPr lang="en-US" smtClean="0"/>
-              <a:t>2/2/2022</a:t>
+              <a:t>2/3/2022</a:t>
             </a:fld>
             <a:endParaRPr lang="en-US" dirty="0"/>
           </a:p>
@@ -1487,7 +1488,7 @@
           <a:p>
             <a:fld id="{DBD3D6FB-79CC-4683-A046-BBE785BA1BED}" type="datetimeFigureOut">
               <a:rPr lang="en-US" smtClean="0"/>
-              <a:t>2/2/2022</a:t>
+              <a:t>2/3/2022</a:t>
             </a:fld>
             <a:endParaRPr lang="en-US" dirty="0"/>
           </a:p>
@@ -1909,7 +1910,7 @@
           <a:p>
             <a:fld id="{9512B3E8-48F1-4B23-8498-D8A04A81EC9C}" type="datetimeFigureOut">
               <a:rPr lang="en-US" smtClean="0"/>
-              <a:t>2/2/2022</a:t>
+              <a:t>2/3/2022</a:t>
             </a:fld>
             <a:endParaRPr lang="en-US" dirty="0"/>
           </a:p>
@@ -2027,7 +2028,7 @@
           <a:p>
             <a:fld id="{10B90D90-AA62-404D-A741-635B4370F9CB}" type="datetimeFigureOut">
               <a:rPr lang="en-US" smtClean="0"/>
-              <a:t>2/2/2022</a:t>
+              <a:t>2/3/2022</a:t>
             </a:fld>
             <a:endParaRPr lang="en-US" dirty="0"/>
           </a:p>
@@ -2122,7 +2123,7 @@
           <a:p>
             <a:fld id="{A57002E4-6836-46D1-9DBB-3C27C0DD3A89}" type="datetimeFigureOut">
               <a:rPr lang="en-US" smtClean="0"/>
-              <a:t>2/2/2022</a:t>
+              <a:t>2/3/2022</a:t>
             </a:fld>
             <a:endParaRPr lang="en-US" dirty="0"/>
           </a:p>
@@ -2395,7 +2396,7 @@
           <a:p>
             <a:fld id="{1CF131DD-A141-4471-BCF9-C6073EDD7E20}" type="datetimeFigureOut">
               <a:rPr lang="en-US" smtClean="0"/>
-              <a:t>2/2/2022</a:t>
+              <a:t>2/3/2022</a:t>
             </a:fld>
             <a:endParaRPr lang="en-US" dirty="0"/>
           </a:p>
@@ -2661,7 +2662,7 @@
           <a:p>
             <a:fld id="{AB334A90-EB03-42F3-8859-2C2B2724C058}" type="datetimeFigureOut">
               <a:rPr lang="en-US" smtClean="0"/>
-              <a:t>2/2/2022</a:t>
+              <a:t>2/3/2022</a:t>
             </a:fld>
             <a:endParaRPr lang="en-US" dirty="0"/>
           </a:p>
@@ -2911,7 +2912,7 @@
           <a:p>
             <a:fld id="{CBC48EC7-AF6A-48D3-8284-14BACBEBDD84}" type="datetimeFigureOut">
               <a:rPr lang="en-US" smtClean="0"/>
-              <a:t>2/2/2022</a:t>
+              <a:t>2/3/2022</a:t>
             </a:fld>
             <a:endParaRPr lang="en-US" dirty="0"/>
           </a:p>
@@ -3467,6 +3468,14 @@
   <p:clrMapOvr>
     <a:masterClrMapping/>
   </p:clrMapOvr>
+  <mc:AlternateContent xmlns:mc="http://schemas.openxmlformats.org/markup-compatibility/2006">
+    <mc:Choice xmlns:p14="http://schemas.microsoft.com/office/powerpoint/2010/main" Requires="p14">
+      <p:transition spd="slow" p14:dur="2000"/>
+    </mc:Choice>
+    <mc:Fallback>
+      <p:transition spd="slow"/>
+    </mc:Fallback>
+  </mc:AlternateContent>
   <p:timing>
     <p:tnLst>
       <p:par>
@@ -3478,6 +3487,744 @@
 </file>
 
 <file path=ppt/slides/slide10.xml><?xml version="1.0" encoding="utf-8"?>
+<p:sld xmlns:a="http://schemas.openxmlformats.org/drawingml/2006/main" xmlns:r="http://schemas.openxmlformats.org/officeDocument/2006/relationships" xmlns:p="http://schemas.openxmlformats.org/presentationml/2006/main">
+  <p:cSld>
+    <p:spTree>
+      <p:nvGrpSpPr>
+        <p:cNvPr id="1" name=""/>
+        <p:cNvGrpSpPr/>
+        <p:nvPr/>
+      </p:nvGrpSpPr>
+      <p:grpSpPr>
+        <a:xfrm>
+          <a:off x="0" y="0"/>
+          <a:ext cx="0" cy="0"/>
+          <a:chOff x="0" y="0"/>
+          <a:chExt cx="0" cy="0"/>
+        </a:xfrm>
+      </p:grpSpPr>
+      <p:sp>
+        <p:nvSpPr>
+          <p:cNvPr id="2" name="Titre 1"/>
+          <p:cNvSpPr>
+            <a:spLocks noGrp="1"/>
+          </p:cNvSpPr>
+          <p:nvPr>
+            <p:ph type="title"/>
+          </p:nvPr>
+        </p:nvSpPr>
+        <p:spPr/>
+        <p:txBody>
+          <a:bodyPr/>
+          <a:lstStyle/>
+          <a:p>
+            <a:r>
+              <a:rPr lang="fr-FR" b="1" dirty="0" smtClean="0"/>
+              <a:t>Gérer l’intégration de données</a:t>
+            </a:r>
+            <a:endParaRPr lang="fr-FR" dirty="0"/>
+          </a:p>
+        </p:txBody>
+      </p:sp>
+      <p:pic>
+        <p:nvPicPr>
+          <p:cNvPr id="5" name="Image 4"/>
+          <p:cNvPicPr>
+            <a:picLocks noChangeAspect="1"/>
+          </p:cNvPicPr>
+          <p:nvPr/>
+        </p:nvPicPr>
+        <p:blipFill>
+          <a:blip r:embed="rId2">
+            <a:extLst>
+              <a:ext uri="{28A0092B-C50C-407E-A947-70E740481C1C}">
+                <a14:useLocalDpi xmlns:a14="http://schemas.microsoft.com/office/drawing/2010/main" val="0"/>
+              </a:ext>
+            </a:extLst>
+          </a:blip>
+          <a:stretch>
+            <a:fillRect/>
+          </a:stretch>
+        </p:blipFill>
+        <p:spPr>
+          <a:xfrm>
+            <a:off x="4566684" y="3419900"/>
+            <a:ext cx="3675185" cy="3675185"/>
+          </a:xfrm>
+          <a:prstGeom prst="rect">
+            <a:avLst/>
+          </a:prstGeom>
+        </p:spPr>
+      </p:pic>
+    </p:spTree>
+    <p:extLst>
+      <p:ext uri="{BB962C8B-B14F-4D97-AF65-F5344CB8AC3E}">
+        <p14:creationId xmlns:p14="http://schemas.microsoft.com/office/powerpoint/2010/main" val="3664914729"/>
+      </p:ext>
+    </p:extLst>
+  </p:cSld>
+  <p:clrMapOvr>
+    <a:masterClrMapping/>
+  </p:clrMapOvr>
+  <p:timing>
+    <p:tnLst>
+      <p:par>
+        <p:cTn id="1" dur="indefinite" restart="never" nodeType="tmRoot">
+          <p:childTnLst>
+            <p:seq concurrent="1" nextAc="seek">
+              <p:cTn id="2" dur="indefinite" nodeType="mainSeq">
+                <p:childTnLst>
+                  <p:par>
+                    <p:cTn id="3" fill="hold">
+                      <p:stCondLst>
+                        <p:cond delay="indefinite"/>
+                        <p:cond evt="onBegin" delay="0">
+                          <p:tn val="2"/>
+                        </p:cond>
+                      </p:stCondLst>
+                      <p:childTnLst>
+                        <p:par>
+                          <p:cTn id="4" fill="hold">
+                            <p:stCondLst>
+                              <p:cond delay="0"/>
+                            </p:stCondLst>
+                            <p:childTnLst>
+                              <p:par>
+                                <p:cTn id="5" presetID="2" presetClass="entr" presetSubtype="4" fill="hold" nodeType="withEffect">
+                                  <p:stCondLst>
+                                    <p:cond delay="0"/>
+                                  </p:stCondLst>
+                                  <p:childTnLst>
+                                    <p:set>
+                                      <p:cBhvr>
+                                        <p:cTn id="6" dur="1" fill="hold">
+                                          <p:stCondLst>
+                                            <p:cond delay="0"/>
+                                          </p:stCondLst>
+                                        </p:cTn>
+                                        <p:tgtEl>
+                                          <p:spTgt spid="5"/>
+                                        </p:tgtEl>
+                                        <p:attrNameLst>
+                                          <p:attrName>style.visibility</p:attrName>
+                                        </p:attrNameLst>
+                                      </p:cBhvr>
+                                      <p:to>
+                                        <p:strVal val="visible"/>
+                                      </p:to>
+                                    </p:set>
+                                    <p:anim calcmode="lin" valueType="num">
+                                      <p:cBhvr additive="base">
+                                        <p:cTn id="7" dur="3000" fill="hold"/>
+                                        <p:tgtEl>
+                                          <p:spTgt spid="5"/>
+                                        </p:tgtEl>
+                                        <p:attrNameLst>
+                                          <p:attrName>ppt_x</p:attrName>
+                                        </p:attrNameLst>
+                                      </p:cBhvr>
+                                      <p:tavLst>
+                                        <p:tav tm="0">
+                                          <p:val>
+                                            <p:strVal val="#ppt_x"/>
+                                          </p:val>
+                                        </p:tav>
+                                        <p:tav tm="100000">
+                                          <p:val>
+                                            <p:strVal val="#ppt_x"/>
+                                          </p:val>
+                                        </p:tav>
+                                      </p:tavLst>
+                                    </p:anim>
+                                    <p:anim calcmode="lin" valueType="num">
+                                      <p:cBhvr additive="base">
+                                        <p:cTn id="8" dur="3000" fill="hold"/>
+                                        <p:tgtEl>
+                                          <p:spTgt spid="5"/>
+                                        </p:tgtEl>
+                                        <p:attrNameLst>
+                                          <p:attrName>ppt_y</p:attrName>
+                                        </p:attrNameLst>
+                                      </p:cBhvr>
+                                      <p:tavLst>
+                                        <p:tav tm="0">
+                                          <p:val>
+                                            <p:strVal val="1+#ppt_h/2"/>
+                                          </p:val>
+                                        </p:tav>
+                                        <p:tav tm="100000">
+                                          <p:val>
+                                            <p:strVal val="#ppt_y"/>
+                                          </p:val>
+                                        </p:tav>
+                                      </p:tavLst>
+                                    </p:anim>
+                                  </p:childTnLst>
+                                </p:cTn>
+                              </p:par>
+                            </p:childTnLst>
+                          </p:cTn>
+                        </p:par>
+                      </p:childTnLst>
+                    </p:cTn>
+                  </p:par>
+                </p:childTnLst>
+              </p:cTn>
+              <p:prevCondLst>
+                <p:cond evt="onPrev" delay="0">
+                  <p:tgtEl>
+                    <p:sldTgt/>
+                  </p:tgtEl>
+                </p:cond>
+              </p:prevCondLst>
+              <p:nextCondLst>
+                <p:cond evt="onNext" delay="0">
+                  <p:tgtEl>
+                    <p:sldTgt/>
+                  </p:tgtEl>
+                </p:cond>
+              </p:nextCondLst>
+            </p:seq>
+          </p:childTnLst>
+        </p:cTn>
+      </p:par>
+    </p:tnLst>
+  </p:timing>
+</p:sld>
+</file>
+
+<file path=ppt/slides/slide11.xml><?xml version="1.0" encoding="utf-8"?>
+<p:sld xmlns:a="http://schemas.openxmlformats.org/drawingml/2006/main" xmlns:r="http://schemas.openxmlformats.org/officeDocument/2006/relationships" xmlns:p="http://schemas.openxmlformats.org/presentationml/2006/main">
+  <p:cSld>
+    <p:spTree>
+      <p:nvGrpSpPr>
+        <p:cNvPr id="1" name=""/>
+        <p:cNvGrpSpPr/>
+        <p:nvPr/>
+      </p:nvGrpSpPr>
+      <p:grpSpPr>
+        <a:xfrm>
+          <a:off x="0" y="0"/>
+          <a:ext cx="0" cy="0"/>
+          <a:chOff x="0" y="0"/>
+          <a:chExt cx="0" cy="0"/>
+        </a:xfrm>
+      </p:grpSpPr>
+      <p:sp>
+        <p:nvSpPr>
+          <p:cNvPr id="2" name="Titre 1"/>
+          <p:cNvSpPr>
+            <a:spLocks noGrp="1"/>
+          </p:cNvSpPr>
+          <p:nvPr>
+            <p:ph type="title"/>
+          </p:nvPr>
+        </p:nvSpPr>
+        <p:spPr>
+          <a:xfrm>
+            <a:off x="1066800" y="308485"/>
+            <a:ext cx="10058400" cy="1449975"/>
+          </a:xfrm>
+        </p:spPr>
+        <p:txBody>
+          <a:bodyPr>
+            <a:normAutofit/>
+          </a:bodyPr>
+          <a:lstStyle/>
+          <a:p>
+            <a:pPr algn="ctr"/>
+            <a:r>
+              <a:rPr lang="fr-FR" b="1" dirty="0" smtClean="0"/>
+              <a:t>Gestion des données via </a:t>
+            </a:r>
+            <a:r>
+              <a:rPr lang="fr-FR" b="1" dirty="0" err="1" smtClean="0"/>
+              <a:t>strapi</a:t>
+            </a:r>
+            <a:endParaRPr lang="fr-FR" dirty="0">
+              <a:latin typeface="Algerian" panose="04020705040A02060702" pitchFamily="82" charset="0"/>
+            </a:endParaRPr>
+          </a:p>
+        </p:txBody>
+      </p:sp>
+      <p:sp>
+        <p:nvSpPr>
+          <p:cNvPr id="3" name="ZoneTexte 2"/>
+          <p:cNvSpPr txBox="1"/>
+          <p:nvPr/>
+        </p:nvSpPr>
+        <p:spPr>
+          <a:xfrm>
+            <a:off x="1406769" y="2554542"/>
+            <a:ext cx="9378462" cy="3908762"/>
+          </a:xfrm>
+          <a:prstGeom prst="rect">
+            <a:avLst/>
+          </a:prstGeom>
+          <a:noFill/>
+        </p:spPr>
+        <p:txBody>
+          <a:bodyPr wrap="square" rtlCol="0">
+            <a:spAutoFit/>
+          </a:bodyPr>
+          <a:lstStyle/>
+          <a:p>
+            <a:pPr algn="ctr"/>
+            <a:r>
+              <a:rPr lang="fr-FR" sz="2800" dirty="0" smtClean="0"/>
+              <a:t>Se rendre sur l’interface administrateur :</a:t>
+            </a:r>
+          </a:p>
+          <a:p>
+            <a:pPr algn="ctr"/>
+            <a:r>
+              <a:rPr lang="fr-FR" sz="2800" dirty="0">
+                <a:hlinkClick r:id="rId2"/>
+              </a:rPr>
+              <a:t>http://icloud-debug.fr:1337</a:t>
+            </a:r>
+            <a:r>
+              <a:rPr lang="fr-FR" sz="2800" dirty="0" smtClean="0">
+                <a:hlinkClick r:id="rId2"/>
+              </a:rPr>
+              <a:t>/</a:t>
+            </a:r>
+            <a:endParaRPr lang="fr-FR" sz="2800" dirty="0" smtClean="0"/>
+          </a:p>
+          <a:p>
+            <a:pPr algn="ctr"/>
+            <a:r>
+              <a:rPr lang="fr-FR" sz="2800" dirty="0">
+                <a:hlinkClick r:id="rId3"/>
+              </a:rPr>
+              <a:t>http://195.14.105.18:1337</a:t>
+            </a:r>
+            <a:r>
+              <a:rPr lang="fr-FR" sz="2800" dirty="0" smtClean="0">
+                <a:hlinkClick r:id="rId3"/>
+              </a:rPr>
+              <a:t>/</a:t>
+            </a:r>
+            <a:endParaRPr lang="fr-FR" sz="2800" dirty="0" smtClean="0"/>
+          </a:p>
+          <a:p>
+            <a:pPr algn="ctr"/>
+            <a:endParaRPr lang="fr-FR" sz="3200" dirty="0"/>
+          </a:p>
+          <a:p>
+            <a:pPr marL="2114550" lvl="4" indent="-285750">
+              <a:buFont typeface="Arial" panose="020B0604020202020204" pitchFamily="34" charset="0"/>
+              <a:buChar char="•"/>
+            </a:pPr>
+            <a:r>
+              <a:rPr lang="fr-FR" sz="2400" dirty="0" smtClean="0"/>
+              <a:t>Ajouter du contenu dans « Content Manager »</a:t>
+            </a:r>
+          </a:p>
+          <a:p>
+            <a:pPr marL="2114550" lvl="4" indent="-285750">
+              <a:buFont typeface="Arial" panose="020B0604020202020204" pitchFamily="34" charset="0"/>
+              <a:buChar char="•"/>
+            </a:pPr>
+            <a:endParaRPr lang="fr-FR" sz="2400" dirty="0" smtClean="0"/>
+          </a:p>
+          <a:p>
+            <a:pPr marL="2114550" lvl="4" indent="-285750">
+              <a:buFont typeface="Arial" panose="020B0604020202020204" pitchFamily="34" charset="0"/>
+              <a:buChar char="•"/>
+            </a:pPr>
+            <a:r>
+              <a:rPr lang="fr-FR" sz="2400" dirty="0" smtClean="0"/>
+              <a:t>Créer de nouvelles rubriques via « Content Type Builder »</a:t>
+            </a:r>
+            <a:endParaRPr lang="fr-FR" sz="2400" dirty="0"/>
+          </a:p>
+          <a:p>
+            <a:pPr marL="2114550" lvl="4" indent="-285750">
+              <a:buFont typeface="Arial" panose="020B0604020202020204" pitchFamily="34" charset="0"/>
+              <a:buChar char="•"/>
+            </a:pPr>
+            <a:endParaRPr lang="fr-FR" dirty="0" smtClean="0"/>
+          </a:p>
+          <a:p>
+            <a:pPr algn="ctr"/>
+            <a:endParaRPr lang="fr-FR" dirty="0"/>
+          </a:p>
+        </p:txBody>
+      </p:sp>
+      <p:pic>
+        <p:nvPicPr>
+          <p:cNvPr id="4" name="Image 3"/>
+          <p:cNvPicPr>
+            <a:picLocks noChangeAspect="1"/>
+          </p:cNvPicPr>
+          <p:nvPr/>
+        </p:nvPicPr>
+        <p:blipFill>
+          <a:blip r:embed="rId4">
+            <a:extLst>
+              <a:ext uri="{28A0092B-C50C-407E-A947-70E740481C1C}">
+                <a14:useLocalDpi xmlns:a14="http://schemas.microsoft.com/office/drawing/2010/main" val="0"/>
+              </a:ext>
+            </a:extLst>
+          </a:blip>
+          <a:stretch>
+            <a:fillRect/>
+          </a:stretch>
+        </p:blipFill>
+        <p:spPr>
+          <a:xfrm>
+            <a:off x="0" y="4290646"/>
+            <a:ext cx="2728000" cy="2728000"/>
+          </a:xfrm>
+          <a:prstGeom prst="rect">
+            <a:avLst/>
+          </a:prstGeom>
+        </p:spPr>
+      </p:pic>
+    </p:spTree>
+    <p:extLst>
+      <p:ext uri="{BB962C8B-B14F-4D97-AF65-F5344CB8AC3E}">
+        <p14:creationId xmlns:p14="http://schemas.microsoft.com/office/powerpoint/2010/main" val="1357999580"/>
+      </p:ext>
+    </p:extLst>
+  </p:cSld>
+  <p:clrMapOvr>
+    <a:masterClrMapping/>
+  </p:clrMapOvr>
+  <p:timing>
+    <p:tnLst>
+      <p:par>
+        <p:cTn id="1" dur="indefinite" restart="never" nodeType="tmRoot">
+          <p:childTnLst>
+            <p:seq concurrent="1" nextAc="seek">
+              <p:cTn id="2" dur="indefinite" nodeType="mainSeq">
+                <p:childTnLst>
+                  <p:par>
+                    <p:cTn id="3" fill="hold">
+                      <p:stCondLst>
+                        <p:cond delay="indefinite"/>
+                        <p:cond evt="onBegin" delay="0">
+                          <p:tn val="2"/>
+                        </p:cond>
+                      </p:stCondLst>
+                      <p:childTnLst>
+                        <p:par>
+                          <p:cTn id="4" fill="hold">
+                            <p:stCondLst>
+                              <p:cond delay="0"/>
+                            </p:stCondLst>
+                            <p:childTnLst>
+                              <p:par>
+                                <p:cTn id="5" presetID="26" presetClass="entr" presetSubtype="0" fill="hold" nodeType="withEffect">
+                                  <p:stCondLst>
+                                    <p:cond delay="0"/>
+                                  </p:stCondLst>
+                                  <p:childTnLst>
+                                    <p:set>
+                                      <p:cBhvr>
+                                        <p:cTn id="6" dur="1" fill="hold">
+                                          <p:stCondLst>
+                                            <p:cond delay="0"/>
+                                          </p:stCondLst>
+                                        </p:cTn>
+                                        <p:tgtEl>
+                                          <p:spTgt spid="4"/>
+                                        </p:tgtEl>
+                                        <p:attrNameLst>
+                                          <p:attrName>style.visibility</p:attrName>
+                                        </p:attrNameLst>
+                                      </p:cBhvr>
+                                      <p:to>
+                                        <p:strVal val="visible"/>
+                                      </p:to>
+                                    </p:set>
+                                    <p:animEffect transition="in" filter="wipe(down)">
+                                      <p:cBhvr>
+                                        <p:cTn id="7" dur="580">
+                                          <p:stCondLst>
+                                            <p:cond delay="0"/>
+                                          </p:stCondLst>
+                                        </p:cTn>
+                                        <p:tgtEl>
+                                          <p:spTgt spid="4"/>
+                                        </p:tgtEl>
+                                      </p:cBhvr>
+                                    </p:animEffect>
+                                    <p:anim calcmode="lin" valueType="num">
+                                      <p:cBhvr>
+                                        <p:cTn id="8" dur="1822" tmFilter="0,0; 0.14,0.36; 0.43,0.73; 0.71,0.91; 1.0,1.0">
+                                          <p:stCondLst>
+                                            <p:cond delay="0"/>
+                                          </p:stCondLst>
+                                        </p:cTn>
+                                        <p:tgtEl>
+                                          <p:spTgt spid="4"/>
+                                        </p:tgtEl>
+                                        <p:attrNameLst>
+                                          <p:attrName>ppt_x</p:attrName>
+                                        </p:attrNameLst>
+                                      </p:cBhvr>
+                                      <p:tavLst>
+                                        <p:tav tm="0">
+                                          <p:val>
+                                            <p:strVal val="#ppt_x-0.25"/>
+                                          </p:val>
+                                        </p:tav>
+                                        <p:tav tm="100000">
+                                          <p:val>
+                                            <p:strVal val="#ppt_x"/>
+                                          </p:val>
+                                        </p:tav>
+                                      </p:tavLst>
+                                    </p:anim>
+                                    <p:anim calcmode="lin" valueType="num">
+                                      <p:cBhvr>
+                                        <p:cTn id="9" dur="664" tmFilter="0.0,0.0; 0.25,0.07; 0.50,0.2; 0.75,0.467; 1.0,1.0">
+                                          <p:stCondLst>
+                                            <p:cond delay="0"/>
+                                          </p:stCondLst>
+                                        </p:cTn>
+                                        <p:tgtEl>
+                                          <p:spTgt spid="4"/>
+                                        </p:tgtEl>
+                                        <p:attrNameLst>
+                                          <p:attrName>ppt_y</p:attrName>
+                                        </p:attrNameLst>
+                                      </p:cBhvr>
+                                      <p:tavLst>
+                                        <p:tav tm="0" fmla="#ppt_y-sin(pi*$)/3">
+                                          <p:val>
+                                            <p:fltVal val="0.5"/>
+                                          </p:val>
+                                        </p:tav>
+                                        <p:tav tm="100000">
+                                          <p:val>
+                                            <p:fltVal val="1"/>
+                                          </p:val>
+                                        </p:tav>
+                                      </p:tavLst>
+                                    </p:anim>
+                                    <p:anim calcmode="lin" valueType="num">
+                                      <p:cBhvr>
+                                        <p:cTn id="10" dur="664" tmFilter="0, 0; 0.125,0.2665; 0.25,0.4; 0.375,0.465; 0.5,0.5;  0.625,0.535; 0.75,0.6; 0.875,0.7335; 1,1">
+                                          <p:stCondLst>
+                                            <p:cond delay="664"/>
+                                          </p:stCondLst>
+                                        </p:cTn>
+                                        <p:tgtEl>
+                                          <p:spTgt spid="4"/>
+                                        </p:tgtEl>
+                                        <p:attrNameLst>
+                                          <p:attrName>ppt_y</p:attrName>
+                                        </p:attrNameLst>
+                                      </p:cBhvr>
+                                      <p:tavLst>
+                                        <p:tav tm="0" fmla="#ppt_y-sin(pi*$)/9">
+                                          <p:val>
+                                            <p:fltVal val="0"/>
+                                          </p:val>
+                                        </p:tav>
+                                        <p:tav tm="100000">
+                                          <p:val>
+                                            <p:fltVal val="1"/>
+                                          </p:val>
+                                        </p:tav>
+                                      </p:tavLst>
+                                    </p:anim>
+                                    <p:anim calcmode="lin" valueType="num">
+                                      <p:cBhvr>
+                                        <p:cTn id="11" dur="332" tmFilter="0, 0; 0.125,0.2665; 0.25,0.4; 0.375,0.465; 0.5,0.5;  0.625,0.535; 0.75,0.6; 0.875,0.7335; 1,1">
+                                          <p:stCondLst>
+                                            <p:cond delay="1324"/>
+                                          </p:stCondLst>
+                                        </p:cTn>
+                                        <p:tgtEl>
+                                          <p:spTgt spid="4"/>
+                                        </p:tgtEl>
+                                        <p:attrNameLst>
+                                          <p:attrName>ppt_y</p:attrName>
+                                        </p:attrNameLst>
+                                      </p:cBhvr>
+                                      <p:tavLst>
+                                        <p:tav tm="0" fmla="#ppt_y-sin(pi*$)/27">
+                                          <p:val>
+                                            <p:fltVal val="0"/>
+                                          </p:val>
+                                        </p:tav>
+                                        <p:tav tm="100000">
+                                          <p:val>
+                                            <p:fltVal val="1"/>
+                                          </p:val>
+                                        </p:tav>
+                                      </p:tavLst>
+                                    </p:anim>
+                                    <p:anim calcmode="lin" valueType="num">
+                                      <p:cBhvr>
+                                        <p:cTn id="12" dur="164" tmFilter="0, 0; 0.125,0.2665; 0.25,0.4; 0.375,0.465; 0.5,0.5;  0.625,0.535; 0.75,0.6; 0.875,0.7335; 1,1">
+                                          <p:stCondLst>
+                                            <p:cond delay="1656"/>
+                                          </p:stCondLst>
+                                        </p:cTn>
+                                        <p:tgtEl>
+                                          <p:spTgt spid="4"/>
+                                        </p:tgtEl>
+                                        <p:attrNameLst>
+                                          <p:attrName>ppt_y</p:attrName>
+                                        </p:attrNameLst>
+                                      </p:cBhvr>
+                                      <p:tavLst>
+                                        <p:tav tm="0" fmla="#ppt_y-sin(pi*$)/81">
+                                          <p:val>
+                                            <p:fltVal val="0"/>
+                                          </p:val>
+                                        </p:tav>
+                                        <p:tav tm="100000">
+                                          <p:val>
+                                            <p:fltVal val="1"/>
+                                          </p:val>
+                                        </p:tav>
+                                      </p:tavLst>
+                                    </p:anim>
+                                    <p:animScale>
+                                      <p:cBhvr>
+                                        <p:cTn id="13" dur="26">
+                                          <p:stCondLst>
+                                            <p:cond delay="650"/>
+                                          </p:stCondLst>
+                                        </p:cTn>
+                                        <p:tgtEl>
+                                          <p:spTgt spid="4"/>
+                                        </p:tgtEl>
+                                      </p:cBhvr>
+                                      <p:to x="100000" y="60000"/>
+                                    </p:animScale>
+                                    <p:animScale>
+                                      <p:cBhvr>
+                                        <p:cTn id="14" dur="166" decel="50000">
+                                          <p:stCondLst>
+                                            <p:cond delay="676"/>
+                                          </p:stCondLst>
+                                        </p:cTn>
+                                        <p:tgtEl>
+                                          <p:spTgt spid="4"/>
+                                        </p:tgtEl>
+                                      </p:cBhvr>
+                                      <p:to x="100000" y="100000"/>
+                                    </p:animScale>
+                                    <p:animScale>
+                                      <p:cBhvr>
+                                        <p:cTn id="15" dur="26">
+                                          <p:stCondLst>
+                                            <p:cond delay="1312"/>
+                                          </p:stCondLst>
+                                        </p:cTn>
+                                        <p:tgtEl>
+                                          <p:spTgt spid="4"/>
+                                        </p:tgtEl>
+                                      </p:cBhvr>
+                                      <p:to x="100000" y="80000"/>
+                                    </p:animScale>
+                                    <p:animScale>
+                                      <p:cBhvr>
+                                        <p:cTn id="16" dur="166" decel="50000">
+                                          <p:stCondLst>
+                                            <p:cond delay="1338"/>
+                                          </p:stCondLst>
+                                        </p:cTn>
+                                        <p:tgtEl>
+                                          <p:spTgt spid="4"/>
+                                        </p:tgtEl>
+                                      </p:cBhvr>
+                                      <p:to x="100000" y="100000"/>
+                                    </p:animScale>
+                                    <p:animScale>
+                                      <p:cBhvr>
+                                        <p:cTn id="17" dur="26">
+                                          <p:stCondLst>
+                                            <p:cond delay="1642"/>
+                                          </p:stCondLst>
+                                        </p:cTn>
+                                        <p:tgtEl>
+                                          <p:spTgt spid="4"/>
+                                        </p:tgtEl>
+                                      </p:cBhvr>
+                                      <p:to x="100000" y="90000"/>
+                                    </p:animScale>
+                                    <p:animScale>
+                                      <p:cBhvr>
+                                        <p:cTn id="18" dur="166" decel="50000">
+                                          <p:stCondLst>
+                                            <p:cond delay="1668"/>
+                                          </p:stCondLst>
+                                        </p:cTn>
+                                        <p:tgtEl>
+                                          <p:spTgt spid="4"/>
+                                        </p:tgtEl>
+                                      </p:cBhvr>
+                                      <p:to x="100000" y="100000"/>
+                                    </p:animScale>
+                                    <p:animScale>
+                                      <p:cBhvr>
+                                        <p:cTn id="19" dur="26">
+                                          <p:stCondLst>
+                                            <p:cond delay="1808"/>
+                                          </p:stCondLst>
+                                        </p:cTn>
+                                        <p:tgtEl>
+                                          <p:spTgt spid="4"/>
+                                        </p:tgtEl>
+                                      </p:cBhvr>
+                                      <p:to x="100000" y="95000"/>
+                                    </p:animScale>
+                                    <p:animScale>
+                                      <p:cBhvr>
+                                        <p:cTn id="20" dur="166" decel="50000">
+                                          <p:stCondLst>
+                                            <p:cond delay="1834"/>
+                                          </p:stCondLst>
+                                        </p:cTn>
+                                        <p:tgtEl>
+                                          <p:spTgt spid="4"/>
+                                        </p:tgtEl>
+                                      </p:cBhvr>
+                                      <p:to x="100000" y="100000"/>
+                                    </p:animScale>
+                                  </p:childTnLst>
+                                </p:cTn>
+                              </p:par>
+                            </p:childTnLst>
+                          </p:cTn>
+                        </p:par>
+                      </p:childTnLst>
+                    </p:cTn>
+                  </p:par>
+                </p:childTnLst>
+              </p:cTn>
+              <p:prevCondLst>
+                <p:cond evt="onPrev" delay="0">
+                  <p:tgtEl>
+                    <p:sldTgt/>
+                  </p:tgtEl>
+                </p:cond>
+              </p:prevCondLst>
+              <p:nextCondLst>
+                <p:cond evt="onNext" delay="0">
+                  <p:tgtEl>
+                    <p:sldTgt/>
+                  </p:tgtEl>
+                </p:cond>
+              </p:nextCondLst>
+            </p:seq>
+          </p:childTnLst>
+        </p:cTn>
+      </p:par>
+    </p:tnLst>
+  </p:timing>
+</p:sld>
+</file>
+
+<file path=ppt/slides/slide12.xml><?xml version="1.0" encoding="utf-8"?>
 <p:sld xmlns:a="http://schemas.openxmlformats.org/drawingml/2006/main" xmlns:r="http://schemas.openxmlformats.org/officeDocument/2006/relationships" xmlns:p="http://schemas.openxmlformats.org/presentationml/2006/main">
   <p:cSld>
     <p:spTree>
@@ -3692,7 +4439,7 @@
 </p:sld>
 </file>
 
-<file path=ppt/slides/slide11.xml><?xml version="1.0" encoding="utf-8"?>
+<file path=ppt/slides/slide13.xml><?xml version="1.0" encoding="utf-8"?>
 <p:sld xmlns:a="http://schemas.openxmlformats.org/drawingml/2006/main" xmlns:r="http://schemas.openxmlformats.org/officeDocument/2006/relationships" xmlns:p="http://schemas.openxmlformats.org/presentationml/2006/main">
   <p:cSld>
     <p:spTree>
@@ -3853,13 +4600,8 @@
             </a:r>
             <a:r>
               <a:rPr lang="fr-FR" sz="2400" dirty="0" smtClean="0"/>
-              <a:t>de la carte personnalisée via </a:t>
-            </a:r>
-            <a:r>
-              <a:rPr lang="fr-FR" sz="2400" dirty="0" err="1" smtClean="0"/>
-              <a:t>MapBox</a:t>
-            </a:r>
-            <a:endParaRPr lang="fr-FR" sz="2400" dirty="0" smtClean="0"/>
+              <a:t>de la carte personnalisée via MapBox</a:t>
+            </a:r>
           </a:p>
           <a:p>
             <a:pPr marL="800100" lvl="1" indent="-342900">
@@ -4099,7 +4841,7 @@
 </p:sld>
 </file>
 
-<file path=ppt/slides/slide12.xml><?xml version="1.0" encoding="utf-8"?>
+<file path=ppt/slides/slide14.xml><?xml version="1.0" encoding="utf-8"?>
 <p:sld xmlns:a="http://schemas.openxmlformats.org/drawingml/2006/main" xmlns:r="http://schemas.openxmlformats.org/officeDocument/2006/relationships" xmlns:p="http://schemas.openxmlformats.org/presentationml/2006/main">
   <p:cSld>
     <p:spTree>
@@ -4272,7 +5014,7 @@
 </p:sld>
 </file>
 
-<file path=ppt/slides/slide13.xml><?xml version="1.0" encoding="utf-8"?>
+<file path=ppt/slides/slide15.xml><?xml version="1.0" encoding="utf-8"?>
 <p:sld xmlns:a="http://schemas.openxmlformats.org/drawingml/2006/main" xmlns:r="http://schemas.openxmlformats.org/officeDocument/2006/relationships" xmlns:p="http://schemas.openxmlformats.org/presentationml/2006/main">
   <p:cSld>
     <p:spTree>
@@ -4634,7 +5376,7 @@
 </p:sld>
 </file>
 
-<file path=ppt/slides/slide14.xml><?xml version="1.0" encoding="utf-8"?>
+<file path=ppt/slides/slide16.xml><?xml version="1.0" encoding="utf-8"?>
 <p:sld xmlns:a="http://schemas.openxmlformats.org/drawingml/2006/main" xmlns:r="http://schemas.openxmlformats.org/officeDocument/2006/relationships" xmlns:p="http://schemas.openxmlformats.org/presentationml/2006/main">
   <p:cSld>
     <p:spTree>
@@ -4908,78 +5650,6 @@
 </p:sld>
 </file>
 
-<file path=ppt/slides/slide15.xml><?xml version="1.0" encoding="utf-8"?>
-<p:sld xmlns:a="http://schemas.openxmlformats.org/drawingml/2006/main" xmlns:r="http://schemas.openxmlformats.org/officeDocument/2006/relationships" xmlns:p="http://schemas.openxmlformats.org/presentationml/2006/main">
-  <p:cSld>
-    <p:spTree>
-      <p:nvGrpSpPr>
-        <p:cNvPr id="1" name=""/>
-        <p:cNvGrpSpPr/>
-        <p:nvPr/>
-      </p:nvGrpSpPr>
-      <p:grpSpPr>
-        <a:xfrm>
-          <a:off x="0" y="0"/>
-          <a:ext cx="0" cy="0"/>
-          <a:chOff x="0" y="0"/>
-          <a:chExt cx="0" cy="0"/>
-        </a:xfrm>
-      </p:grpSpPr>
-      <p:sp>
-        <p:nvSpPr>
-          <p:cNvPr id="2" name="Titre 1"/>
-          <p:cNvSpPr>
-            <a:spLocks noGrp="1"/>
-          </p:cNvSpPr>
-          <p:nvPr>
-            <p:ph type="title"/>
-          </p:nvPr>
-        </p:nvSpPr>
-        <p:spPr/>
-        <p:txBody>
-          <a:bodyPr/>
-          <a:lstStyle/>
-          <a:p>
-            <a:r>
-              <a:rPr lang="fr-FR" dirty="0" smtClean="0"/>
-              <a:t>WHAT ? WHY ? WHO ? HOW ?</a:t>
-            </a:r>
-            <a:endParaRPr lang="fr-FR" dirty="0"/>
-          </a:p>
-        </p:txBody>
-      </p:sp>
-      <p:sp>
-        <p:nvSpPr>
-          <p:cNvPr id="3" name="Espace réservé du texte 2"/>
-          <p:cNvSpPr>
-            <a:spLocks noGrp="1"/>
-          </p:cNvSpPr>
-          <p:nvPr>
-            <p:ph type="body" idx="1"/>
-          </p:nvPr>
-        </p:nvSpPr>
-        <p:spPr/>
-        <p:txBody>
-          <a:bodyPr/>
-          <a:lstStyle/>
-          <a:p>
-            <a:endParaRPr lang="fr-FR" dirty="0"/>
-          </a:p>
-        </p:txBody>
-      </p:sp>
-    </p:spTree>
-    <p:extLst>
-      <p:ext uri="{BB962C8B-B14F-4D97-AF65-F5344CB8AC3E}">
-        <p14:creationId xmlns:p14="http://schemas.microsoft.com/office/powerpoint/2010/main" val="3436313939"/>
-      </p:ext>
-    </p:extLst>
-  </p:cSld>
-  <p:clrMapOvr>
-    <a:masterClrMapping/>
-  </p:clrMapOvr>
-</p:sld>
-</file>
-
 <file path=ppt/slides/slide2.xml><?xml version="1.0" encoding="utf-8"?>
 <p:sld xmlns:a="http://schemas.openxmlformats.org/drawingml/2006/main" xmlns:r="http://schemas.openxmlformats.org/officeDocument/2006/relationships" xmlns:p="http://schemas.openxmlformats.org/presentationml/2006/main">
   <p:cSld>
@@ -5038,7 +5708,7 @@
         </p:spPr>
         <p:txBody>
           <a:bodyPr>
-            <a:normAutofit/>
+            <a:normAutofit fontScale="92500" lnSpcReduction="20000"/>
           </a:bodyPr>
           <a:lstStyle/>
           <a:p>
@@ -5077,8 +5747,26 @@
             </a:pPr>
             <a:r>
               <a:rPr lang="fr-FR" sz="2800" dirty="0" smtClean="0"/>
-              <a:t>Résultat final</a:t>
-            </a:r>
+              <a:t>Résultat </a:t>
+            </a:r>
+            <a:r>
+              <a:rPr lang="fr-FR" sz="2800" dirty="0" smtClean="0"/>
+              <a:t>final</a:t>
+            </a:r>
+          </a:p>
+          <a:p>
+            <a:pPr marL="457200" indent="-457200" algn="l">
+              <a:buClr>
+                <a:schemeClr val="tx2"/>
+              </a:buClr>
+              <a:buFont typeface="Arial" panose="020B0604020202020204" pitchFamily="34" charset="0"/>
+              <a:buChar char="•"/>
+            </a:pPr>
+            <a:r>
+              <a:rPr lang="fr-FR" sz="2800" dirty="0" smtClean="0"/>
+              <a:t>Intégration de données</a:t>
+            </a:r>
+            <a:endParaRPr lang="fr-FR" sz="2800" dirty="0" smtClean="0"/>
           </a:p>
           <a:p>
             <a:pPr marL="457200" indent="-457200" algn="l">
@@ -5151,6 +5839,14 @@
   <p:clrMapOvr>
     <a:masterClrMapping/>
   </p:clrMapOvr>
+  <mc:AlternateContent xmlns:mc="http://schemas.openxmlformats.org/markup-compatibility/2006">
+    <mc:Choice xmlns:p14="http://schemas.microsoft.com/office/powerpoint/2010/main" Requires="p14">
+      <p:transition spd="slow" p14:dur="2000"/>
+    </mc:Choice>
+    <mc:Fallback>
+      <p:transition spd="slow"/>
+    </mc:Fallback>
+  </mc:AlternateContent>
   <p:timing>
     <p:tnLst>
       <p:par>
@@ -5274,11 +5970,7 @@
           <a:p>
             <a:r>
               <a:rPr lang="fr-FR" dirty="0" smtClean="0"/>
-              <a:t>Présentation de </a:t>
-            </a:r>
-            <a:r>
-              <a:rPr lang="fr-FR" dirty="0" err="1" smtClean="0"/>
-              <a:t>vélodyssée</a:t>
+              <a:t>Présentation de vélodyssée</a:t>
             </a:r>
             <a:endParaRPr lang="fr-FR" dirty="0"/>
           </a:p>
@@ -5318,12 +6010,8 @@
               <a:t>Le projet </a:t>
             </a:r>
             <a:r>
-              <a:rPr lang="fr-FR" sz="2400" dirty="0" err="1"/>
-              <a:t>EuroVelo</a:t>
-            </a:r>
-            <a:r>
               <a:rPr lang="fr-FR" sz="2400" dirty="0"/>
-              <a:t> comporte 17 itinéraires cyclables européens répartis sur tout le continent</a:t>
+              <a:t>EuroVelo comporte 17 itinéraires cyclables européens répartis sur tout le continent</a:t>
             </a:r>
             <a:r>
               <a:rPr lang="fr-FR" sz="2400" dirty="0" smtClean="0"/>
@@ -5374,15 +6062,7 @@
             </a:pPr>
             <a:r>
               <a:rPr lang="fr-FR" sz="2400" dirty="0"/>
-              <a:t>France est concernée par 10 </a:t>
-            </a:r>
-            <a:r>
-              <a:rPr lang="fr-FR" sz="2400" dirty="0" err="1"/>
-              <a:t>EuroVelo</a:t>
-            </a:r>
-            <a:r>
-              <a:rPr lang="fr-FR" sz="2400" dirty="0"/>
-              <a:t>, soit 8 </a:t>
+              <a:t>France est concernée par 10 EuroVelo, soit 8 </a:t>
             </a:r>
             <a:r>
               <a:rPr lang="fr-FR" sz="2400" dirty="0" smtClean="0"/>
@@ -5438,6 +6118,14 @@
   <p:clrMapOvr>
     <a:masterClrMapping/>
   </p:clrMapOvr>
+  <mc:AlternateContent xmlns:mc="http://schemas.openxmlformats.org/markup-compatibility/2006">
+    <mc:Choice xmlns:p14="http://schemas.microsoft.com/office/powerpoint/2010/main" Requires="p14">
+      <p:transition spd="slow" p14:dur="2000"/>
+    </mc:Choice>
+    <mc:Fallback>
+      <p:transition spd="slow"/>
+    </mc:Fallback>
+  </mc:AlternateContent>
   <p:timing>
     <p:tnLst>
       <p:par>
@@ -5863,12 +6551,12 @@
               <a:buChar char="•"/>
             </a:pPr>
             <a:r>
-              <a:rPr lang="fr-FR" sz="2600" dirty="0" err="1"/>
-              <a:t>Javascript</a:t>
+              <a:rPr lang="fr-FR" sz="2600" dirty="0" smtClean="0"/>
+              <a:t>JavaScript </a:t>
             </a:r>
             <a:r>
               <a:rPr lang="fr-FR" sz="2600" dirty="0"/>
-              <a:t> sans </a:t>
+              <a:t>sans </a:t>
             </a:r>
             <a:r>
               <a:rPr lang="fr-FR" sz="2600" dirty="0" smtClean="0"/>
@@ -5889,23 +6577,15 @@
             </a:pPr>
             <a:r>
               <a:rPr lang="fr-FR" sz="2600" dirty="0"/>
-              <a:t>Utilisation de </a:t>
-            </a:r>
-            <a:r>
-              <a:rPr lang="fr-FR" sz="2600" dirty="0" err="1"/>
-              <a:t>Strapi</a:t>
+              <a:t>Utilisation de Strapi pour le </a:t>
+            </a:r>
+            <a:r>
+              <a:rPr lang="fr-FR" sz="2600" dirty="0" smtClean="0"/>
+              <a:t>back end </a:t>
             </a:r>
             <a:r>
               <a:rPr lang="fr-FR" sz="2600" dirty="0"/>
-              <a:t> pour le </a:t>
-            </a:r>
-            <a:r>
-              <a:rPr lang="fr-FR" sz="2600" dirty="0" err="1"/>
-              <a:t>backend</a:t>
-            </a:r>
-            <a:r>
-              <a:rPr lang="fr-FR" sz="2600" dirty="0"/>
-              <a:t> et d'une </a:t>
+              <a:t>et d'une </a:t>
             </a:r>
             <a:r>
               <a:rPr lang="fr-FR" sz="2600" dirty="0" smtClean="0"/>
@@ -6819,7 +7499,7 @@
         <p:spPr>
           <a:xfrm>
             <a:off x="1406769" y="2554542"/>
-            <a:ext cx="9378462" cy="3508653"/>
+            <a:ext cx="9378462" cy="4247317"/>
           </a:xfrm>
           <a:prstGeom prst="rect">
             <a:avLst/>
@@ -6885,11 +7565,40 @@
             <a:endParaRPr lang="fr-FR" sz="2400" dirty="0"/>
           </a:p>
           <a:p>
-            <a:pPr algn="ctr"/>
+            <a:pPr marL="342900" indent="-342900" algn="ctr">
+              <a:buFontTx/>
+              <a:buChar char="-"/>
+            </a:pPr>
             <a:r>
               <a:rPr lang="fr-FR" sz="2400" dirty="0" smtClean="0"/>
-              <a:t>- Dispositions des éléments similaires aux autres sites</a:t>
-            </a:r>
+              <a:t>Dispositions </a:t>
+            </a:r>
+            <a:r>
+              <a:rPr lang="fr-FR" sz="2400" dirty="0" smtClean="0"/>
+              <a:t>des éléments similaires aux autres </a:t>
+            </a:r>
+            <a:r>
+              <a:rPr lang="fr-FR" sz="2400" dirty="0" smtClean="0"/>
+              <a:t>sites</a:t>
+            </a:r>
+          </a:p>
+          <a:p>
+            <a:pPr marL="342900" indent="-342900" algn="ctr">
+              <a:buFontTx/>
+              <a:buChar char="-"/>
+            </a:pPr>
+            <a:endParaRPr lang="fr-FR" sz="2400" dirty="0"/>
+          </a:p>
+          <a:p>
+            <a:pPr marL="342900" indent="-342900" algn="ctr">
+              <a:buFontTx/>
+              <a:buChar char="-"/>
+            </a:pPr>
+            <a:r>
+              <a:rPr lang="fr-FR" sz="2400" dirty="0" smtClean="0"/>
+              <a:t>Utilisation de logos propre à Vélodyssée</a:t>
+            </a:r>
+            <a:endParaRPr lang="fr-FR" sz="2400" dirty="0" smtClean="0"/>
           </a:p>
           <a:p>
             <a:pPr algn="ctr"/>

--- a/Ressources/Présentation Projet/Vélodyssée.pptx
+++ b/Ressources/Présentation Projet/Vélodyssée.pptx
@@ -3385,8 +3385,8 @@
           <a:lstStyle/>
           <a:p>
             <a:r>
-              <a:rPr lang="fr-FR" b="1" dirty="0" smtClean="0"/>
-              <a:t>Vélodyssée</a:t>
+              <a:rPr lang="fr-FR" b="1" dirty="0" err="1" smtClean="0"/>
+              <a:t>vélocharbon</a:t>
             </a:r>
             <a:endParaRPr lang="fr-FR" b="1" dirty="0"/>
           </a:p>
@@ -3468,11 +3468,11 @@
   <p:clrMapOvr>
     <a:masterClrMapping/>
   </p:clrMapOvr>
-  <mc:AlternateContent xmlns:mc="http://schemas.openxmlformats.org/markup-compatibility/2006">
-    <mc:Choice xmlns:p14="http://schemas.microsoft.com/office/powerpoint/2010/main" Requires="p14">
+  <mc:AlternateContent xmlns:mc="http://schemas.openxmlformats.org/markup-compatibility/2006" xmlns:p14="http://schemas.microsoft.com/office/powerpoint/2010/main">
+    <mc:Choice Requires="p14">
       <p:transition spd="slow" p14:dur="2000"/>
     </mc:Choice>
-    <mc:Fallback>
+    <mc:Fallback xmlns="">
       <p:transition spd="slow"/>
     </mc:Fallback>
   </mc:AlternateContent>
@@ -5747,11 +5747,7 @@
             </a:pPr>
             <a:r>
               <a:rPr lang="fr-FR" sz="2800" dirty="0" smtClean="0"/>
-              <a:t>Résultat </a:t>
-            </a:r>
-            <a:r>
-              <a:rPr lang="fr-FR" sz="2800" dirty="0" smtClean="0"/>
-              <a:t>final</a:t>
+              <a:t>Résultat final</a:t>
             </a:r>
           </a:p>
           <a:p>
@@ -5766,7 +5762,6 @@
               <a:rPr lang="fr-FR" sz="2800" dirty="0" smtClean="0"/>
               <a:t>Intégration de données</a:t>
             </a:r>
-            <a:endParaRPr lang="fr-FR" sz="2800" dirty="0" smtClean="0"/>
           </a:p>
           <a:p>
             <a:pPr marL="457200" indent="-457200" algn="l">
@@ -5839,11 +5834,11 @@
   <p:clrMapOvr>
     <a:masterClrMapping/>
   </p:clrMapOvr>
-  <mc:AlternateContent xmlns:mc="http://schemas.openxmlformats.org/markup-compatibility/2006">
-    <mc:Choice xmlns:p14="http://schemas.microsoft.com/office/powerpoint/2010/main" Requires="p14">
+  <mc:AlternateContent xmlns:mc="http://schemas.openxmlformats.org/markup-compatibility/2006" xmlns:p14="http://schemas.microsoft.com/office/powerpoint/2010/main">
+    <mc:Choice Requires="p14">
       <p:transition spd="slow" p14:dur="2000"/>
     </mc:Choice>
-    <mc:Fallback>
+    <mc:Fallback xmlns="">
       <p:transition spd="slow"/>
     </mc:Fallback>
   </mc:AlternateContent>
@@ -5970,7 +5965,11 @@
           <a:p>
             <a:r>
               <a:rPr lang="fr-FR" dirty="0" smtClean="0"/>
-              <a:t>Présentation de vélodyssée</a:t>
+              <a:t>Présentation de </a:t>
+            </a:r>
+            <a:r>
+              <a:rPr lang="fr-FR" dirty="0" err="1" smtClean="0"/>
+              <a:t>véloCharbon</a:t>
             </a:r>
             <a:endParaRPr lang="fr-FR" dirty="0"/>
           </a:p>
@@ -6100,8 +6099,8 @@
         </p:blipFill>
         <p:spPr>
           <a:xfrm>
-            <a:off x="8849943" y="4719332"/>
-            <a:ext cx="2404211" cy="1190897"/>
+            <a:off x="9456600" y="4719332"/>
+            <a:ext cx="1892191" cy="1892191"/>
           </a:xfrm>
           <a:prstGeom prst="rect">
             <a:avLst/>
@@ -6118,11 +6117,11 @@
   <p:clrMapOvr>
     <a:masterClrMapping/>
   </p:clrMapOvr>
-  <mc:AlternateContent xmlns:mc="http://schemas.openxmlformats.org/markup-compatibility/2006">
-    <mc:Choice xmlns:p14="http://schemas.microsoft.com/office/powerpoint/2010/main" Requires="p14">
+  <mc:AlternateContent xmlns:mc="http://schemas.openxmlformats.org/markup-compatibility/2006" xmlns:p14="http://schemas.microsoft.com/office/powerpoint/2010/main">
+    <mc:Choice Requires="p14">
       <p:transition spd="slow" p14:dur="2000"/>
     </mc:Choice>
-    <mc:Fallback>
+    <mc:Fallback xmlns="">
       <p:transition spd="slow"/>
     </mc:Fallback>
   </mc:AlternateContent>
@@ -7571,15 +7570,7 @@
             </a:pPr>
             <a:r>
               <a:rPr lang="fr-FR" sz="2400" dirty="0" smtClean="0"/>
-              <a:t>Dispositions </a:t>
-            </a:r>
-            <a:r>
-              <a:rPr lang="fr-FR" sz="2400" dirty="0" smtClean="0"/>
-              <a:t>des éléments similaires aux autres </a:t>
-            </a:r>
-            <a:r>
-              <a:rPr lang="fr-FR" sz="2400" dirty="0" smtClean="0"/>
-              <a:t>sites</a:t>
+              <a:t>Dispositions des éléments similaires aux autres sites</a:t>
             </a:r>
           </a:p>
           <a:p>
@@ -7598,7 +7589,6 @@
               <a:rPr lang="fr-FR" sz="2400" dirty="0" smtClean="0"/>
               <a:t>Utilisation de logos propre à Vélodyssée</a:t>
             </a:r>
-            <a:endParaRPr lang="fr-FR" sz="2400" dirty="0" smtClean="0"/>
           </a:p>
           <a:p>
             <a:pPr algn="ctr"/>
